--- a/Factory_Method.pptx
+++ b/Factory_Method.pptx
@@ -5,13 +5,14 @@
     <p:sldMasterId id="2147483660" r:id="rId1"/>
   </p:sldMasterIdLst>
   <p:notesMasterIdLst>
-    <p:notesMasterId r:id="rId6"/>
+    <p:notesMasterId r:id="rId7"/>
   </p:notesMasterIdLst>
   <p:sldIdLst>
     <p:sldId id="256" r:id="rId2"/>
     <p:sldId id="257" r:id="rId3"/>
     <p:sldId id="258" r:id="rId4"/>
     <p:sldId id="259" r:id="rId5"/>
+    <p:sldId id="260" r:id="rId6"/>
   </p:sldIdLst>
   <p:sldSz cx="9144000" cy="6858000" type="screen4x3"/>
   <p:notesSz cx="6858000" cy="9144000"/>
@@ -195,6 +196,7 @@
           <a:p>
             <a:fld id="{17EDD3D7-6B48-4B08-B560-5A12F4EB54FE}" type="datetimeFigureOut">
               <a:rPr kumimoji="1" lang="ja-JP" altLang="en-US" smtClean="0"/>
+              <a:pPr/>
               <a:t>2015/6/2</a:t>
             </a:fld>
             <a:endParaRPr kumimoji="1" lang="ja-JP" altLang="en-US"/>
@@ -386,7 +388,8 @@
           <a:p>
             <a:fld id="{F0CC40A1-AD24-4E70-9361-C4A5A1ADF016}" type="slidenum">
               <a:rPr kumimoji="1" lang="ja-JP" altLang="en-US" smtClean="0"/>
-              <a:t>‹#›</a:t>
+              <a:pPr/>
+              <a:t>&lt;#&gt;</a:t>
             </a:fld>
             <a:endParaRPr kumimoji="1" lang="ja-JP" altLang="en-US"/>
           </a:p>
@@ -395,7 +398,7 @@
     </p:spTree>
     <p:extLst>
       <p:ext uri="{BB962C8B-B14F-4D97-AF65-F5344CB8AC3E}">
-        <p14:creationId xmlns:p14="http://schemas.microsoft.com/office/powerpoint/2010/main" val="2349080228"/>
+        <p14:creationId xmlns:p14="http://schemas.microsoft.com/office/powerpoint/2010/main" xmlns="" val="2349080228"/>
       </p:ext>
     </p:extLst>
   </p:cSld>
@@ -946,7 +949,7 @@
               </a:pathLst>
             </a:custGeom>
             <a:blipFill>
-              <a:blip r:embed="rId2">
+              <a:blip r:embed="rId2" cstate="print">
                 <a:alphaModFix amt="50000"/>
               </a:blip>
               <a:tile tx="0" ty="0" sx="50000" sy="50000" flip="none" algn="t"/>
@@ -1120,6 +1123,7 @@
           <a:p>
             <a:fld id="{9E511603-D391-4776-9542-0AB51EFAB3D7}" type="datetime1">
               <a:rPr kumimoji="1" lang="ja-JP" altLang="en-US" smtClean="0"/>
+              <a:pPr/>
               <a:t>2015/6/2</a:t>
             </a:fld>
             <a:endParaRPr kumimoji="1" lang="ja-JP" altLang="en-US"/>
@@ -1182,7 +1186,8 @@
           <a:p>
             <a:fld id="{D2D8002D-B5B0-4BAC-B1F6-782DDCCE6D9C}" type="slidenum">
               <a:rPr kumimoji="1" lang="ja-JP" altLang="en-US" smtClean="0"/>
-              <a:t>‹#›</a:t>
+              <a:pPr/>
+              <a:t>&lt;#&gt;</a:t>
             </a:fld>
             <a:endParaRPr kumimoji="1" lang="ja-JP" altLang="en-US"/>
           </a:p>
@@ -1348,6 +1353,7 @@
           <a:p>
             <a:fld id="{5505D796-E706-4557-9D46-D0BD6D890626}" type="datetime1">
               <a:rPr kumimoji="1" lang="ja-JP" altLang="en-US" smtClean="0"/>
+              <a:pPr/>
               <a:t>2015/6/2</a:t>
             </a:fld>
             <a:endParaRPr kumimoji="1" lang="ja-JP" altLang="en-US"/>
@@ -1394,7 +1400,8 @@
           <a:p>
             <a:fld id="{D2D8002D-B5B0-4BAC-B1F6-782DDCCE6D9C}" type="slidenum">
               <a:rPr kumimoji="1" lang="ja-JP" altLang="en-US" smtClean="0"/>
-              <a:t>‹#›</a:t>
+              <a:pPr/>
+              <a:t>&lt;#&gt;</a:t>
             </a:fld>
             <a:endParaRPr kumimoji="1" lang="ja-JP" altLang="en-US"/>
           </a:p>
@@ -1565,6 +1572,7 @@
           <a:p>
             <a:fld id="{DAE2ADBC-8AB2-42BE-B127-D3B5A289B3E4}" type="datetime1">
               <a:rPr kumimoji="1" lang="ja-JP" altLang="en-US" smtClean="0"/>
+              <a:pPr/>
               <a:t>2015/6/2</a:t>
             </a:fld>
             <a:endParaRPr kumimoji="1" lang="ja-JP" altLang="en-US"/>
@@ -1611,7 +1619,8 @@
           <a:p>
             <a:fld id="{D2D8002D-B5B0-4BAC-B1F6-782DDCCE6D9C}" type="slidenum">
               <a:rPr kumimoji="1" lang="ja-JP" altLang="en-US" smtClean="0"/>
-              <a:t>‹#›</a:t>
+              <a:pPr/>
+              <a:t>&lt;#&gt;</a:t>
             </a:fld>
             <a:endParaRPr kumimoji="1" lang="ja-JP" altLang="en-US"/>
           </a:p>
@@ -1747,6 +1756,7 @@
           <a:p>
             <a:fld id="{10BF216A-89D2-4F7F-B6C0-1D27505A2321}" type="datetime1">
               <a:rPr kumimoji="1" lang="ja-JP" altLang="en-US" smtClean="0"/>
+              <a:pPr/>
               <a:t>2015/6/2</a:t>
             </a:fld>
             <a:endParaRPr kumimoji="1" lang="ja-JP" altLang="en-US"/>
@@ -1797,7 +1807,7 @@
             <a:fld id="{D2D8002D-B5B0-4BAC-B1F6-782DDCCE6D9C}" type="slidenum">
               <a:rPr kumimoji="1" lang="ja-JP" altLang="en-US" smtClean="0"/>
               <a:pPr/>
-              <a:t>‹#›</a:t>
+              <a:t>&lt;#&gt;</a:t>
             </a:fld>
             <a:endParaRPr kumimoji="1" lang="ja-JP" altLang="en-US" dirty="0"/>
           </a:p>
@@ -2006,6 +2016,7 @@
           <a:p>
             <a:fld id="{8184EBF3-05EA-4D46-9438-C466AE156852}" type="datetime1">
               <a:rPr kumimoji="1" lang="ja-JP" altLang="en-US" smtClean="0"/>
+              <a:pPr/>
               <a:t>2015/6/2</a:t>
             </a:fld>
             <a:endParaRPr kumimoji="1" lang="ja-JP" altLang="en-US"/>
@@ -2052,7 +2063,8 @@
           <a:p>
             <a:fld id="{D2D8002D-B5B0-4BAC-B1F6-782DDCCE6D9C}" type="slidenum">
               <a:rPr kumimoji="1" lang="ja-JP" altLang="en-US" smtClean="0"/>
-              <a:t>‹#›</a:t>
+              <a:pPr/>
+              <a:t>&lt;#&gt;</a:t>
             </a:fld>
             <a:endParaRPr kumimoji="1" lang="ja-JP" altLang="en-US"/>
           </a:p>
@@ -2479,6 +2491,7 @@
           <a:p>
             <a:fld id="{B42337FE-9C88-4D91-9F20-B6C586AAA9C6}" type="datetime1">
               <a:rPr kumimoji="1" lang="ja-JP" altLang="en-US" smtClean="0"/>
+              <a:pPr/>
               <a:t>2015/6/2</a:t>
             </a:fld>
             <a:endParaRPr kumimoji="1" lang="ja-JP" altLang="en-US"/>
@@ -2525,7 +2538,8 @@
           <a:p>
             <a:fld id="{D2D8002D-B5B0-4BAC-B1F6-782DDCCE6D9C}" type="slidenum">
               <a:rPr kumimoji="1" lang="ja-JP" altLang="en-US" smtClean="0"/>
-              <a:t>‹#›</a:t>
+              <a:pPr/>
+              <a:t>&lt;#&gt;</a:t>
             </a:fld>
             <a:endParaRPr kumimoji="1" lang="ja-JP" altLang="en-US"/>
           </a:p>
@@ -2989,6 +3003,7 @@
           <a:p>
             <a:fld id="{1FFB1E58-39FE-4290-B4F5-78E902B373F0}" type="datetime1">
               <a:rPr kumimoji="1" lang="ja-JP" altLang="en-US" smtClean="0"/>
+              <a:pPr/>
               <a:t>2015/6/2</a:t>
             </a:fld>
             <a:endParaRPr kumimoji="1" lang="ja-JP" altLang="en-US"/>
@@ -3035,7 +3050,8 @@
           <a:p>
             <a:fld id="{D2D8002D-B5B0-4BAC-B1F6-782DDCCE6D9C}" type="slidenum">
               <a:rPr kumimoji="1" lang="ja-JP" altLang="en-US" smtClean="0"/>
-              <a:t>‹#›</a:t>
+              <a:pPr/>
+              <a:t>&lt;#&gt;</a:t>
             </a:fld>
             <a:endParaRPr kumimoji="1" lang="ja-JP" altLang="en-US"/>
           </a:p>
@@ -3090,6 +3106,7 @@
           <a:p>
             <a:fld id="{D612B6E6-C045-4DC6-95A2-B83843C62F6C}" type="datetime1">
               <a:rPr kumimoji="1" lang="ja-JP" altLang="en-US" smtClean="0"/>
+              <a:pPr/>
               <a:t>2015/6/2</a:t>
             </a:fld>
             <a:endParaRPr kumimoji="1" lang="ja-JP" altLang="en-US"/>
@@ -3136,7 +3153,8 @@
           <a:p>
             <a:fld id="{D2D8002D-B5B0-4BAC-B1F6-782DDCCE6D9C}" type="slidenum">
               <a:rPr kumimoji="1" lang="ja-JP" altLang="en-US" smtClean="0"/>
-              <a:t>‹#›</a:t>
+              <a:pPr/>
+              <a:t>&lt;#&gt;</a:t>
             </a:fld>
             <a:endParaRPr kumimoji="1" lang="ja-JP" altLang="en-US"/>
           </a:p>
@@ -3211,6 +3229,7 @@
           <a:p>
             <a:fld id="{9BDADA9F-4A80-4BF8-954D-CC504C755335}" type="datetime1">
               <a:rPr kumimoji="1" lang="ja-JP" altLang="en-US" smtClean="0"/>
+              <a:pPr/>
               <a:t>2015/6/2</a:t>
             </a:fld>
             <a:endParaRPr kumimoji="1" lang="ja-JP" altLang="en-US"/>
@@ -3257,7 +3276,8 @@
           <a:p>
             <a:fld id="{D2D8002D-B5B0-4BAC-B1F6-782DDCCE6D9C}" type="slidenum">
               <a:rPr kumimoji="1" lang="ja-JP" altLang="en-US" smtClean="0"/>
-              <a:t>‹#›</a:t>
+              <a:pPr/>
+              <a:t>&lt;#&gt;</a:t>
             </a:fld>
             <a:endParaRPr kumimoji="1" lang="ja-JP" altLang="en-US"/>
           </a:p>
@@ -3517,6 +3537,7 @@
           <a:p>
             <a:fld id="{BB9F5BEC-9AA1-4808-8749-6B5AAD66F03A}" type="datetime1">
               <a:rPr kumimoji="1" lang="ja-JP" altLang="en-US" smtClean="0"/>
+              <a:pPr/>
               <a:t>2015/6/2</a:t>
             </a:fld>
             <a:endParaRPr kumimoji="1" lang="ja-JP" altLang="en-US"/>
@@ -3563,7 +3584,8 @@
           <a:p>
             <a:fld id="{D2D8002D-B5B0-4BAC-B1F6-782DDCCE6D9C}" type="slidenum">
               <a:rPr kumimoji="1" lang="ja-JP" altLang="en-US" smtClean="0"/>
-              <a:t>‹#›</a:t>
+              <a:pPr/>
+              <a:t>&lt;#&gt;</a:t>
             </a:fld>
             <a:endParaRPr kumimoji="1" lang="ja-JP" altLang="en-US"/>
           </a:p>
@@ -3722,6 +3744,7 @@
           <a:p>
             <a:fld id="{B6C8C3B8-8349-4530-BDCB-E8EB82345703}" type="datetime1">
               <a:rPr kumimoji="1" lang="ja-JP" altLang="en-US" smtClean="0"/>
+              <a:pPr/>
               <a:t>2015/6/2</a:t>
             </a:fld>
             <a:endParaRPr kumimoji="1" lang="ja-JP" altLang="en-US"/>
@@ -3787,7 +3810,8 @@
           <a:p>
             <a:fld id="{D2D8002D-B5B0-4BAC-B1F6-782DDCCE6D9C}" type="slidenum">
               <a:rPr kumimoji="1" lang="ja-JP" altLang="en-US" smtClean="0"/>
-              <a:t>‹#›</a:t>
+              <a:pPr/>
+              <a:t>&lt;#&gt;</a:t>
             </a:fld>
             <a:endParaRPr kumimoji="1" lang="ja-JP" altLang="en-US"/>
           </a:p>
@@ -4024,7 +4048,7 @@
             <a:avLst/>
           </a:prstGeom>
           <a:blipFill>
-            <a:blip r:embed="rId2">
+            <a:blip r:embed="rId2" cstate="print">
               <a:alphaModFix amt="50000"/>
             </a:blip>
             <a:tile tx="0" ty="0" sx="50000" sy="50000" flip="none" algn="t"/>
@@ -4544,7 +4568,7 @@
             <a:avLst/>
           </a:prstGeom>
           <a:blipFill>
-            <a:blip r:embed="rId13">
+            <a:blip r:embed="rId13" cstate="print">
               <a:alphaModFix amt="50000"/>
             </a:blip>
             <a:tile tx="0" ty="0" sx="50000" sy="50000" flip="none" algn="t"/>
@@ -4703,7 +4727,7 @@
         </p:nvSpPr>
         <p:spPr>
           <a:xfrm>
-            <a:off x="457200" y="274638"/>
+            <a:off x="457200" y="-243408"/>
             <a:ext cx="8229600" cy="1143000"/>
           </a:xfrm>
           <a:prstGeom prst="rect">
@@ -4863,6 +4887,7 @@
           <a:p>
             <a:fld id="{421B8954-2EAF-495C-A905-4E6FCFDF313A}" type="datetime1">
               <a:rPr kumimoji="1" lang="ja-JP" altLang="en-US" smtClean="0"/>
+              <a:pPr/>
               <a:t>2015/6/2</a:t>
             </a:fld>
             <a:endParaRPr kumimoji="1" lang="ja-JP" altLang="en-US"/>
@@ -4939,7 +4964,8 @@
           <a:p>
             <a:fld id="{D2D8002D-B5B0-4BAC-B1F6-782DDCCE6D9C}" type="slidenum">
               <a:rPr kumimoji="1" lang="ja-JP" altLang="en-US" smtClean="0"/>
-              <a:t>‹#›</a:t>
+              <a:pPr/>
+              <a:t>&lt;#&gt;</a:t>
             </a:fld>
             <a:endParaRPr kumimoji="1" lang="ja-JP" altLang="en-US"/>
           </a:p>
@@ -5330,6 +5356,7 @@
           <a:p>
             <a:fld id="{D2D8002D-B5B0-4BAC-B1F6-782DDCCE6D9C}" type="slidenum">
               <a:rPr kumimoji="1" lang="ja-JP" altLang="en-US" smtClean="0"/>
+              <a:pPr/>
               <a:t>1</a:t>
             </a:fld>
             <a:endParaRPr kumimoji="1" lang="ja-JP" altLang="en-US"/>
@@ -5339,7 +5366,7 @@
     </p:spTree>
     <p:extLst>
       <p:ext uri="{BB962C8B-B14F-4D97-AF65-F5344CB8AC3E}">
-        <p14:creationId xmlns:p14="http://schemas.microsoft.com/office/powerpoint/2010/main" val="4092701601"/>
+        <p14:creationId xmlns:p14="http://schemas.microsoft.com/office/powerpoint/2010/main" xmlns="" val="4092701601"/>
       </p:ext>
     </p:extLst>
   </p:cSld>
@@ -5425,6 +5452,7 @@
           <a:p>
             <a:fld id="{D2D8002D-B5B0-4BAC-B1F6-782DDCCE6D9C}" type="slidenum">
               <a:rPr kumimoji="1" lang="ja-JP" altLang="en-US" smtClean="0"/>
+              <a:pPr/>
               <a:t>2</a:t>
             </a:fld>
             <a:endParaRPr kumimoji="1" lang="ja-JP" altLang="en-US"/>
@@ -5434,7 +5462,7 @@
     </p:spTree>
     <p:extLst>
       <p:ext uri="{BB962C8B-B14F-4D97-AF65-F5344CB8AC3E}">
-        <p14:creationId xmlns:p14="http://schemas.microsoft.com/office/powerpoint/2010/main" val="3202567793"/>
+        <p14:creationId xmlns:p14="http://schemas.microsoft.com/office/powerpoint/2010/main" xmlns="" val="3202567793"/>
       </p:ext>
     </p:extLst>
   </p:cSld>
@@ -5477,6 +5505,10 @@
           <a:lstStyle/>
           <a:p>
             <a:r>
+              <a:rPr kumimoji="1" lang="en-US" altLang="ja-JP" dirty="0" smtClean="0"/>
+              <a:t>1.</a:t>
+            </a:r>
+            <a:r>
               <a:rPr kumimoji="1" lang="ja-JP" altLang="en-US" dirty="0" smtClean="0"/>
               <a:t>イメージ図</a:t>
             </a:r>
@@ -5501,6 +5533,7 @@
           <a:p>
             <a:fld id="{D2D8002D-B5B0-4BAC-B1F6-782DDCCE6D9C}" type="slidenum">
               <a:rPr kumimoji="1" lang="ja-JP" altLang="en-US" smtClean="0"/>
+              <a:pPr/>
               <a:t>3</a:t>
             </a:fld>
             <a:endParaRPr kumimoji="1" lang="ja-JP" altLang="en-US"/>
@@ -5519,7 +5552,7 @@
           <a:blip r:embed="rId2" cstate="print">
             <a:extLst>
               <a:ext uri="{28A0092B-C50C-407E-A947-70E740481C1C}">
-                <a14:useLocalDpi xmlns:a14="http://schemas.microsoft.com/office/drawing/2010/main" val="0"/>
+                <a14:useLocalDpi xmlns:a14="http://schemas.microsoft.com/office/drawing/2010/main" xmlns="" val="0"/>
               </a:ext>
             </a:extLst>
           </a:blip>
@@ -5539,7 +5572,7 @@
           <a:noFill/>
           <a:extLst>
             <a:ext uri="{909E8E84-426E-40DD-AFC4-6F175D3DCCD1}">
-              <a14:hiddenFill xmlns:a14="http://schemas.microsoft.com/office/drawing/2010/main">
+              <a14:hiddenFill xmlns:a14="http://schemas.microsoft.com/office/drawing/2010/main" xmlns="">
                 <a:solidFill>
                   <a:srgbClr val="FFFFFF"/>
                 </a:solidFill>
@@ -6438,7 +6471,7 @@
     </p:spTree>
     <p:extLst>
       <p:ext uri="{BB962C8B-B14F-4D97-AF65-F5344CB8AC3E}">
-        <p14:creationId xmlns:p14="http://schemas.microsoft.com/office/powerpoint/2010/main" val="238751462"/>
+        <p14:creationId xmlns:p14="http://schemas.microsoft.com/office/powerpoint/2010/main" xmlns="" val="238751462"/>
       </p:ext>
     </p:extLst>
   </p:cSld>
@@ -6467,6 +6500,127 @@
       </p:grpSpPr>
       <p:sp>
         <p:nvSpPr>
+          <p:cNvPr id="33" name="正方形/長方形 32"/>
+          <p:cNvSpPr/>
+          <p:nvPr/>
+        </p:nvSpPr>
+        <p:spPr>
+          <a:xfrm>
+            <a:off x="179512" y="4437112"/>
+            <a:ext cx="8280920" cy="2088232"/>
+          </a:xfrm>
+          <a:prstGeom prst="rect">
+            <a:avLst/>
+          </a:prstGeom>
+        </p:spPr>
+        <p:style>
+          <a:lnRef idx="2">
+            <a:schemeClr val="dk1"/>
+          </a:lnRef>
+          <a:fillRef idx="1">
+            <a:schemeClr val="lt1"/>
+          </a:fillRef>
+          <a:effectRef idx="0">
+            <a:schemeClr val="dk1"/>
+          </a:effectRef>
+          <a:fontRef idx="minor">
+            <a:schemeClr val="dk1"/>
+          </a:fontRef>
+        </p:style>
+        <p:txBody>
+          <a:bodyPr rtlCol="0" anchor="ctr"/>
+          <a:lstStyle/>
+          <a:p>
+            <a:pPr algn="ctr"/>
+            <a:endParaRPr kumimoji="1" lang="ja-JP" altLang="en-US"/>
+          </a:p>
+        </p:txBody>
+      </p:sp>
+      <p:sp>
+        <p:nvSpPr>
+          <p:cNvPr id="34" name="正方形/長方形 33"/>
+          <p:cNvSpPr/>
+          <p:nvPr/>
+        </p:nvSpPr>
+        <p:spPr>
+          <a:xfrm>
+            <a:off x="179512" y="4077072"/>
+            <a:ext cx="1728192" cy="360040"/>
+          </a:xfrm>
+          <a:prstGeom prst="rect">
+            <a:avLst/>
+          </a:prstGeom>
+          <a:ln cmpd="sng">
+            <a:prstDash val="solid"/>
+          </a:ln>
+        </p:spPr>
+        <p:style>
+          <a:lnRef idx="2">
+            <a:schemeClr val="dk1"/>
+          </a:lnRef>
+          <a:fillRef idx="1">
+            <a:schemeClr val="lt1"/>
+          </a:fillRef>
+          <a:effectRef idx="0">
+            <a:schemeClr val="dk1"/>
+          </a:effectRef>
+          <a:fontRef idx="minor">
+            <a:schemeClr val="dk1"/>
+          </a:fontRef>
+        </p:style>
+        <p:txBody>
+          <a:bodyPr lIns="36000" rIns="36000" rtlCol="0" anchor="ctr"/>
+          <a:lstStyle/>
+          <a:p>
+            <a:pPr algn="ctr"/>
+            <a:r>
+              <a:rPr kumimoji="1" lang="ja-JP" altLang="en-US" b="1" dirty="0" smtClean="0"/>
+              <a:t>具体的な肉付け</a:t>
+            </a:r>
+            <a:endParaRPr kumimoji="1" lang="ja-JP" altLang="en-US" b="1" dirty="0"/>
+          </a:p>
+        </p:txBody>
+      </p:sp>
+      <p:sp>
+        <p:nvSpPr>
+          <p:cNvPr id="31" name="正方形/長方形 30"/>
+          <p:cNvSpPr/>
+          <p:nvPr/>
+        </p:nvSpPr>
+        <p:spPr>
+          <a:xfrm>
+            <a:off x="179512" y="1556792"/>
+            <a:ext cx="8280920" cy="2088232"/>
+          </a:xfrm>
+          <a:prstGeom prst="rect">
+            <a:avLst/>
+          </a:prstGeom>
+        </p:spPr>
+        <p:style>
+          <a:lnRef idx="2">
+            <a:schemeClr val="dk1"/>
+          </a:lnRef>
+          <a:fillRef idx="1">
+            <a:schemeClr val="lt1"/>
+          </a:fillRef>
+          <a:effectRef idx="0">
+            <a:schemeClr val="dk1"/>
+          </a:effectRef>
+          <a:fontRef idx="minor">
+            <a:schemeClr val="dk1"/>
+          </a:fontRef>
+        </p:style>
+        <p:txBody>
+          <a:bodyPr rtlCol="0" anchor="ctr"/>
+          <a:lstStyle/>
+          <a:p>
+            <a:pPr algn="ctr"/>
+            <a:endParaRPr kumimoji="1" lang="ja-JP" altLang="en-US"/>
+          </a:p>
+        </p:txBody>
+      </p:sp>
+      <p:sp>
+        <p:nvSpPr>
           <p:cNvPr id="3" name="スライド番号プレースホルダー 2"/>
           <p:cNvSpPr>
             <a:spLocks noGrp="1"/>
@@ -6504,14 +6658,2104 @@
           <a:bodyPr/>
           <a:lstStyle/>
           <a:p>
+            <a:r>
+              <a:rPr kumimoji="1" lang="en-US" altLang="ja-JP" dirty="0" smtClean="0"/>
+              <a:t>2.</a:t>
+            </a:r>
+            <a:r>
+              <a:rPr kumimoji="1" lang="ja-JP" altLang="en-US" dirty="0" smtClean="0"/>
+              <a:t>クラス図</a:t>
+            </a:r>
+            <a:r>
+              <a:rPr kumimoji="1" lang="en-US" altLang="ja-JP" dirty="0" smtClean="0"/>
+              <a:t>(1/2)</a:t>
+            </a:r>
+            <a:endParaRPr kumimoji="1" lang="ja-JP" altLang="en-US" dirty="0"/>
+          </a:p>
+        </p:txBody>
+      </p:sp>
+      <p:sp>
+        <p:nvSpPr>
+          <p:cNvPr id="5" name="正方形/長方形 4"/>
+          <p:cNvSpPr/>
+          <p:nvPr/>
+        </p:nvSpPr>
+        <p:spPr>
+          <a:xfrm>
+            <a:off x="539552" y="1844824"/>
+            <a:ext cx="3024336" cy="360040"/>
+          </a:xfrm>
+          <a:prstGeom prst="rect">
+            <a:avLst/>
+          </a:prstGeom>
+          <a:ln cmpd="sng">
+            <a:prstDash val="solid"/>
+          </a:ln>
+        </p:spPr>
+        <p:style>
+          <a:lnRef idx="2">
+            <a:schemeClr val="dk1"/>
+          </a:lnRef>
+          <a:fillRef idx="1">
+            <a:schemeClr val="lt1"/>
+          </a:fillRef>
+          <a:effectRef idx="0">
+            <a:schemeClr val="dk1"/>
+          </a:effectRef>
+          <a:fontRef idx="minor">
+            <a:schemeClr val="dk1"/>
+          </a:fontRef>
+        </p:style>
+        <p:txBody>
+          <a:bodyPr rtlCol="0" anchor="ctr"/>
+          <a:lstStyle/>
+          <a:p>
+            <a:pPr algn="ctr"/>
+            <a:r>
+              <a:rPr kumimoji="1" lang="en-US" altLang="ja-JP" i="1" dirty="0" smtClean="0"/>
+              <a:t>Creator</a:t>
+            </a:r>
+            <a:endParaRPr kumimoji="1" lang="ja-JP" altLang="en-US" i="1" dirty="0"/>
+          </a:p>
+        </p:txBody>
+      </p:sp>
+      <p:sp>
+        <p:nvSpPr>
+          <p:cNvPr id="6" name="正方形/長方形 5"/>
+          <p:cNvSpPr/>
+          <p:nvPr/>
+        </p:nvSpPr>
+        <p:spPr>
+          <a:xfrm>
+            <a:off x="539552" y="2204864"/>
+            <a:ext cx="3024336" cy="144016"/>
+          </a:xfrm>
+          <a:prstGeom prst="rect">
+            <a:avLst/>
+          </a:prstGeom>
+          <a:ln cmpd="sng">
+            <a:prstDash val="solid"/>
+          </a:ln>
+        </p:spPr>
+        <p:style>
+          <a:lnRef idx="2">
+            <a:schemeClr val="dk1"/>
+          </a:lnRef>
+          <a:fillRef idx="1">
+            <a:schemeClr val="lt1"/>
+          </a:fillRef>
+          <a:effectRef idx="0">
+            <a:schemeClr val="dk1"/>
+          </a:effectRef>
+          <a:fontRef idx="minor">
+            <a:schemeClr val="dk1"/>
+          </a:fontRef>
+        </p:style>
+        <p:txBody>
+          <a:bodyPr rtlCol="0" anchor="ctr"/>
+          <a:lstStyle/>
+          <a:p>
+            <a:pPr algn="ctr"/>
+            <a:endParaRPr kumimoji="1" lang="ja-JP" altLang="en-US" dirty="0"/>
+          </a:p>
+        </p:txBody>
+      </p:sp>
+      <p:sp>
+        <p:nvSpPr>
+          <p:cNvPr id="7" name="正方形/長方形 6"/>
+          <p:cNvSpPr/>
+          <p:nvPr/>
+        </p:nvSpPr>
+        <p:spPr>
+          <a:xfrm>
+            <a:off x="539552" y="2348880"/>
+            <a:ext cx="3024336" cy="1152128"/>
+          </a:xfrm>
+          <a:prstGeom prst="rect">
+            <a:avLst/>
+          </a:prstGeom>
+          <a:ln cmpd="sng">
+            <a:prstDash val="solid"/>
+          </a:ln>
+        </p:spPr>
+        <p:style>
+          <a:lnRef idx="2">
+            <a:schemeClr val="dk1"/>
+          </a:lnRef>
+          <a:fillRef idx="1">
+            <a:schemeClr val="lt1"/>
+          </a:fillRef>
+          <a:effectRef idx="0">
+            <a:schemeClr val="dk1"/>
+          </a:effectRef>
+          <a:fontRef idx="minor">
+            <a:schemeClr val="dk1"/>
+          </a:fontRef>
+        </p:style>
+        <p:txBody>
+          <a:bodyPr rtlCol="0" anchor="ctr"/>
+          <a:lstStyle/>
+          <a:p>
+            <a:r>
+              <a:rPr kumimoji="1" lang="en-US" altLang="ja-JP" dirty="0" smtClean="0"/>
+              <a:t>create</a:t>
+            </a:r>
+          </a:p>
+          <a:p>
+            <a:r>
+              <a:rPr lang="en-US" altLang="ja-JP" i="1" dirty="0" err="1" smtClean="0"/>
+              <a:t>factoryMethod</a:t>
+            </a:r>
+            <a:endParaRPr kumimoji="1" lang="ja-JP" altLang="en-US" i="1" dirty="0"/>
+          </a:p>
+        </p:txBody>
+      </p:sp>
+      <p:sp>
+        <p:nvSpPr>
+          <p:cNvPr id="8" name="正方形/長方形 7"/>
+          <p:cNvSpPr/>
+          <p:nvPr/>
+        </p:nvSpPr>
+        <p:spPr>
+          <a:xfrm>
+            <a:off x="5004048" y="1844824"/>
+            <a:ext cx="3024336" cy="360040"/>
+          </a:xfrm>
+          <a:prstGeom prst="rect">
+            <a:avLst/>
+          </a:prstGeom>
+          <a:ln cmpd="sng">
+            <a:prstDash val="solid"/>
+          </a:ln>
+        </p:spPr>
+        <p:style>
+          <a:lnRef idx="2">
+            <a:schemeClr val="dk1"/>
+          </a:lnRef>
+          <a:fillRef idx="1">
+            <a:schemeClr val="lt1"/>
+          </a:fillRef>
+          <a:effectRef idx="0">
+            <a:schemeClr val="dk1"/>
+          </a:effectRef>
+          <a:fontRef idx="minor">
+            <a:schemeClr val="dk1"/>
+          </a:fontRef>
+        </p:style>
+        <p:txBody>
+          <a:bodyPr rtlCol="0" anchor="ctr"/>
+          <a:lstStyle/>
+          <a:p>
+            <a:pPr algn="ctr"/>
+            <a:r>
+              <a:rPr kumimoji="1" lang="en-US" altLang="ja-JP" i="1" dirty="0" smtClean="0"/>
+              <a:t>Product</a:t>
+            </a:r>
+            <a:endParaRPr kumimoji="1" lang="ja-JP" altLang="en-US" i="1" dirty="0"/>
+          </a:p>
+        </p:txBody>
+      </p:sp>
+      <p:sp>
+        <p:nvSpPr>
+          <p:cNvPr id="9" name="正方形/長方形 8"/>
+          <p:cNvSpPr/>
+          <p:nvPr/>
+        </p:nvSpPr>
+        <p:spPr>
+          <a:xfrm>
+            <a:off x="5004048" y="2204864"/>
+            <a:ext cx="3024336" cy="144016"/>
+          </a:xfrm>
+          <a:prstGeom prst="rect">
+            <a:avLst/>
+          </a:prstGeom>
+          <a:ln cmpd="sng">
+            <a:prstDash val="solid"/>
+          </a:ln>
+        </p:spPr>
+        <p:style>
+          <a:lnRef idx="2">
+            <a:schemeClr val="dk1"/>
+          </a:lnRef>
+          <a:fillRef idx="1">
+            <a:schemeClr val="lt1"/>
+          </a:fillRef>
+          <a:effectRef idx="0">
+            <a:schemeClr val="dk1"/>
+          </a:effectRef>
+          <a:fontRef idx="minor">
+            <a:schemeClr val="dk1"/>
+          </a:fontRef>
+        </p:style>
+        <p:txBody>
+          <a:bodyPr rtlCol="0" anchor="ctr"/>
+          <a:lstStyle/>
+          <a:p>
+            <a:pPr algn="ctr"/>
+            <a:endParaRPr kumimoji="1" lang="ja-JP" altLang="en-US" dirty="0"/>
+          </a:p>
+        </p:txBody>
+      </p:sp>
+      <p:sp>
+        <p:nvSpPr>
+          <p:cNvPr id="10" name="正方形/長方形 9"/>
+          <p:cNvSpPr/>
+          <p:nvPr/>
+        </p:nvSpPr>
+        <p:spPr>
+          <a:xfrm>
+            <a:off x="5004048" y="2348880"/>
+            <a:ext cx="3024336" cy="1152128"/>
+          </a:xfrm>
+          <a:prstGeom prst="rect">
+            <a:avLst/>
+          </a:prstGeom>
+          <a:ln cmpd="sng">
+            <a:prstDash val="solid"/>
+          </a:ln>
+        </p:spPr>
+        <p:style>
+          <a:lnRef idx="2">
+            <a:schemeClr val="dk1"/>
+          </a:lnRef>
+          <a:fillRef idx="1">
+            <a:schemeClr val="lt1"/>
+          </a:fillRef>
+          <a:effectRef idx="0">
+            <a:schemeClr val="dk1"/>
+          </a:effectRef>
+          <a:fontRef idx="minor">
+            <a:schemeClr val="dk1"/>
+          </a:fontRef>
+        </p:style>
+        <p:txBody>
+          <a:bodyPr rtlCol="0" anchor="ctr"/>
+          <a:lstStyle/>
+          <a:p>
+            <a:r>
+              <a:rPr kumimoji="1" lang="en-US" altLang="ja-JP" i="1" dirty="0" smtClean="0"/>
+              <a:t>method1</a:t>
+            </a:r>
+          </a:p>
+          <a:p>
+            <a:r>
+              <a:rPr lang="en-US" altLang="ja-JP" i="1" dirty="0" smtClean="0"/>
+              <a:t>method2</a:t>
+            </a:r>
+          </a:p>
+          <a:p>
+            <a:r>
+              <a:rPr kumimoji="1" lang="en-US" altLang="ja-JP" i="1" dirty="0" smtClean="0"/>
+              <a:t>method3</a:t>
+            </a:r>
+            <a:endParaRPr kumimoji="1" lang="ja-JP" altLang="en-US" i="1" dirty="0"/>
+          </a:p>
+        </p:txBody>
+      </p:sp>
+      <p:sp>
+        <p:nvSpPr>
+          <p:cNvPr id="11" name="正方形/長方形 10"/>
+          <p:cNvSpPr/>
+          <p:nvPr/>
+        </p:nvSpPr>
+        <p:spPr>
+          <a:xfrm>
+            <a:off x="539552" y="4653136"/>
+            <a:ext cx="3024336" cy="360040"/>
+          </a:xfrm>
+          <a:prstGeom prst="rect">
+            <a:avLst/>
+          </a:prstGeom>
+          <a:ln cmpd="sng">
+            <a:prstDash val="solid"/>
+          </a:ln>
+        </p:spPr>
+        <p:style>
+          <a:lnRef idx="2">
+            <a:schemeClr val="dk1"/>
+          </a:lnRef>
+          <a:fillRef idx="1">
+            <a:schemeClr val="lt1"/>
+          </a:fillRef>
+          <a:effectRef idx="0">
+            <a:schemeClr val="dk1"/>
+          </a:effectRef>
+          <a:fontRef idx="minor">
+            <a:schemeClr val="dk1"/>
+          </a:fontRef>
+        </p:style>
+        <p:txBody>
+          <a:bodyPr rtlCol="0" anchor="ctr"/>
+          <a:lstStyle/>
+          <a:p>
+            <a:pPr algn="ctr"/>
+            <a:r>
+              <a:rPr kumimoji="1" lang="en-US" altLang="ja-JP" dirty="0" err="1" smtClean="0"/>
+              <a:t>ConcreteCreator</a:t>
+            </a:r>
+            <a:endParaRPr kumimoji="1" lang="ja-JP" altLang="en-US" dirty="0"/>
+          </a:p>
+        </p:txBody>
+      </p:sp>
+      <p:sp>
+        <p:nvSpPr>
+          <p:cNvPr id="12" name="正方形/長方形 11"/>
+          <p:cNvSpPr/>
+          <p:nvPr/>
+        </p:nvSpPr>
+        <p:spPr>
+          <a:xfrm>
+            <a:off x="539552" y="5013176"/>
+            <a:ext cx="3024336" cy="144016"/>
+          </a:xfrm>
+          <a:prstGeom prst="rect">
+            <a:avLst/>
+          </a:prstGeom>
+          <a:ln cmpd="sng">
+            <a:prstDash val="solid"/>
+          </a:ln>
+        </p:spPr>
+        <p:style>
+          <a:lnRef idx="2">
+            <a:schemeClr val="dk1"/>
+          </a:lnRef>
+          <a:fillRef idx="1">
+            <a:schemeClr val="lt1"/>
+          </a:fillRef>
+          <a:effectRef idx="0">
+            <a:schemeClr val="dk1"/>
+          </a:effectRef>
+          <a:fontRef idx="minor">
+            <a:schemeClr val="dk1"/>
+          </a:fontRef>
+        </p:style>
+        <p:txBody>
+          <a:bodyPr rtlCol="0" anchor="ctr"/>
+          <a:lstStyle/>
+          <a:p>
+            <a:pPr algn="ctr"/>
+            <a:endParaRPr kumimoji="1" lang="ja-JP" altLang="en-US" dirty="0"/>
+          </a:p>
+        </p:txBody>
+      </p:sp>
+      <p:sp>
+        <p:nvSpPr>
+          <p:cNvPr id="13" name="正方形/長方形 12"/>
+          <p:cNvSpPr/>
+          <p:nvPr/>
+        </p:nvSpPr>
+        <p:spPr>
+          <a:xfrm>
+            <a:off x="539552" y="5157192"/>
+            <a:ext cx="3024336" cy="1152128"/>
+          </a:xfrm>
+          <a:prstGeom prst="rect">
+            <a:avLst/>
+          </a:prstGeom>
+          <a:ln cmpd="sng">
+            <a:prstDash val="solid"/>
+          </a:ln>
+        </p:spPr>
+        <p:style>
+          <a:lnRef idx="2">
+            <a:schemeClr val="dk1"/>
+          </a:lnRef>
+          <a:fillRef idx="1">
+            <a:schemeClr val="lt1"/>
+          </a:fillRef>
+          <a:effectRef idx="0">
+            <a:schemeClr val="dk1"/>
+          </a:effectRef>
+          <a:fontRef idx="minor">
+            <a:schemeClr val="dk1"/>
+          </a:fontRef>
+        </p:style>
+        <p:txBody>
+          <a:bodyPr rtlCol="0" anchor="ctr"/>
+          <a:lstStyle/>
+          <a:p>
+            <a:r>
+              <a:rPr lang="en-US" altLang="ja-JP" dirty="0" err="1" smtClean="0"/>
+              <a:t>factoryMethod</a:t>
+            </a:r>
+            <a:endParaRPr kumimoji="1" lang="ja-JP" altLang="en-US" dirty="0"/>
+          </a:p>
+        </p:txBody>
+      </p:sp>
+      <p:sp>
+        <p:nvSpPr>
+          <p:cNvPr id="14" name="正方形/長方形 13"/>
+          <p:cNvSpPr/>
+          <p:nvPr/>
+        </p:nvSpPr>
+        <p:spPr>
+          <a:xfrm>
+            <a:off x="5004048" y="4653136"/>
+            <a:ext cx="3024336" cy="360040"/>
+          </a:xfrm>
+          <a:prstGeom prst="rect">
+            <a:avLst/>
+          </a:prstGeom>
+          <a:ln cmpd="sng">
+            <a:prstDash val="solid"/>
+          </a:ln>
+        </p:spPr>
+        <p:style>
+          <a:lnRef idx="2">
+            <a:schemeClr val="dk1"/>
+          </a:lnRef>
+          <a:fillRef idx="1">
+            <a:schemeClr val="lt1"/>
+          </a:fillRef>
+          <a:effectRef idx="0">
+            <a:schemeClr val="dk1"/>
+          </a:effectRef>
+          <a:fontRef idx="minor">
+            <a:schemeClr val="dk1"/>
+          </a:fontRef>
+        </p:style>
+        <p:txBody>
+          <a:bodyPr rtlCol="0" anchor="ctr"/>
+          <a:lstStyle/>
+          <a:p>
+            <a:pPr algn="ctr"/>
+            <a:r>
+              <a:rPr kumimoji="1" lang="en-US" altLang="ja-JP" dirty="0" err="1" smtClean="0"/>
+              <a:t>ConcreteProduct</a:t>
+            </a:r>
+            <a:endParaRPr kumimoji="1" lang="ja-JP" altLang="en-US" dirty="0"/>
+          </a:p>
+        </p:txBody>
+      </p:sp>
+      <p:sp>
+        <p:nvSpPr>
+          <p:cNvPr id="15" name="正方形/長方形 14"/>
+          <p:cNvSpPr/>
+          <p:nvPr/>
+        </p:nvSpPr>
+        <p:spPr>
+          <a:xfrm>
+            <a:off x="5004048" y="5013176"/>
+            <a:ext cx="3024336" cy="144016"/>
+          </a:xfrm>
+          <a:prstGeom prst="rect">
+            <a:avLst/>
+          </a:prstGeom>
+          <a:ln cmpd="sng">
+            <a:prstDash val="solid"/>
+          </a:ln>
+        </p:spPr>
+        <p:style>
+          <a:lnRef idx="2">
+            <a:schemeClr val="dk1"/>
+          </a:lnRef>
+          <a:fillRef idx="1">
+            <a:schemeClr val="lt1"/>
+          </a:fillRef>
+          <a:effectRef idx="0">
+            <a:schemeClr val="dk1"/>
+          </a:effectRef>
+          <a:fontRef idx="minor">
+            <a:schemeClr val="dk1"/>
+          </a:fontRef>
+        </p:style>
+        <p:txBody>
+          <a:bodyPr rtlCol="0" anchor="ctr"/>
+          <a:lstStyle/>
+          <a:p>
+            <a:pPr algn="ctr"/>
+            <a:endParaRPr kumimoji="1" lang="ja-JP" altLang="en-US" dirty="0"/>
+          </a:p>
+        </p:txBody>
+      </p:sp>
+      <p:sp>
+        <p:nvSpPr>
+          <p:cNvPr id="16" name="正方形/長方形 15"/>
+          <p:cNvSpPr/>
+          <p:nvPr/>
+        </p:nvSpPr>
+        <p:spPr>
+          <a:xfrm>
+            <a:off x="5004048" y="5157192"/>
+            <a:ext cx="3024336" cy="1152128"/>
+          </a:xfrm>
+          <a:prstGeom prst="rect">
+            <a:avLst/>
+          </a:prstGeom>
+          <a:ln cmpd="sng">
+            <a:prstDash val="solid"/>
+          </a:ln>
+        </p:spPr>
+        <p:style>
+          <a:lnRef idx="2">
+            <a:schemeClr val="dk1"/>
+          </a:lnRef>
+          <a:fillRef idx="1">
+            <a:schemeClr val="lt1"/>
+          </a:fillRef>
+          <a:effectRef idx="0">
+            <a:schemeClr val="dk1"/>
+          </a:effectRef>
+          <a:fontRef idx="minor">
+            <a:schemeClr val="dk1"/>
+          </a:fontRef>
+        </p:style>
+        <p:txBody>
+          <a:bodyPr rtlCol="0" anchor="ctr"/>
+          <a:lstStyle/>
+          <a:p>
+            <a:r>
+              <a:rPr lang="en-US" altLang="ja-JP" dirty="0" smtClean="0"/>
+              <a:t>method1</a:t>
+            </a:r>
+          </a:p>
+          <a:p>
+            <a:r>
+              <a:rPr kumimoji="1" lang="en-US" altLang="ja-JP" dirty="0" smtClean="0"/>
+              <a:t>method2</a:t>
+            </a:r>
+          </a:p>
+          <a:p>
+            <a:r>
+              <a:rPr lang="en-US" altLang="ja-JP" dirty="0" smtClean="0"/>
+              <a:t>method3</a:t>
+            </a:r>
+            <a:endParaRPr kumimoji="1" lang="ja-JP" altLang="en-US" dirty="0"/>
+          </a:p>
+        </p:txBody>
+      </p:sp>
+      <p:cxnSp>
+        <p:nvCxnSpPr>
+          <p:cNvPr id="18" name="直線矢印コネクタ 17"/>
+          <p:cNvCxnSpPr>
+            <a:stCxn id="5" idx="3"/>
+            <a:endCxn id="8" idx="1"/>
+          </p:cNvCxnSpPr>
+          <p:nvPr/>
+        </p:nvCxnSpPr>
+        <p:spPr>
+          <a:xfrm>
+            <a:off x="3563888" y="2024844"/>
+            <a:ext cx="1440160" cy="0"/>
+          </a:xfrm>
+          <a:prstGeom prst="straightConnector1">
+            <a:avLst/>
+          </a:prstGeom>
+          <a:ln w="44450">
+            <a:solidFill>
+              <a:schemeClr val="tx1"/>
+            </a:solidFill>
+            <a:tailEnd type="arrow"/>
+          </a:ln>
+        </p:spPr>
+        <p:style>
+          <a:lnRef idx="1">
+            <a:schemeClr val="accent1"/>
+          </a:lnRef>
+          <a:fillRef idx="0">
+            <a:schemeClr val="accent1"/>
+          </a:fillRef>
+          <a:effectRef idx="0">
+            <a:schemeClr val="accent1"/>
+          </a:effectRef>
+          <a:fontRef idx="minor">
+            <a:schemeClr val="tx1"/>
+          </a:fontRef>
+        </p:style>
+      </p:cxnSp>
+      <p:cxnSp>
+        <p:nvCxnSpPr>
+          <p:cNvPr id="19" name="直線矢印コネクタ 18"/>
+          <p:cNvCxnSpPr>
+            <a:stCxn id="11" idx="0"/>
+            <a:endCxn id="7" idx="2"/>
+          </p:cNvCxnSpPr>
+          <p:nvPr/>
+        </p:nvCxnSpPr>
+        <p:spPr>
+          <a:xfrm flipV="1">
+            <a:off x="2051720" y="3501008"/>
+            <a:ext cx="0" cy="1152128"/>
+          </a:xfrm>
+          <a:prstGeom prst="straightConnector1">
+            <a:avLst/>
+          </a:prstGeom>
+          <a:ln w="44450">
+            <a:solidFill>
+              <a:schemeClr val="tx1"/>
+            </a:solidFill>
+            <a:tailEnd type="triangle" w="lg" len="lg"/>
+          </a:ln>
+        </p:spPr>
+        <p:style>
+          <a:lnRef idx="1">
+            <a:schemeClr val="accent1"/>
+          </a:lnRef>
+          <a:fillRef idx="0">
+            <a:schemeClr val="accent1"/>
+          </a:fillRef>
+          <a:effectRef idx="0">
+            <a:schemeClr val="accent1"/>
+          </a:effectRef>
+          <a:fontRef idx="minor">
+            <a:schemeClr val="tx1"/>
+          </a:fontRef>
+        </p:style>
+      </p:cxnSp>
+      <p:sp>
+        <p:nvSpPr>
+          <p:cNvPr id="22" name="二等辺三角形 21"/>
+          <p:cNvSpPr/>
+          <p:nvPr/>
+        </p:nvSpPr>
+        <p:spPr>
+          <a:xfrm>
+            <a:off x="1979712" y="3501008"/>
+            <a:ext cx="144016" cy="216024"/>
+          </a:xfrm>
+          <a:prstGeom prst="triangle">
+            <a:avLst/>
+          </a:prstGeom>
+          <a:ln w="31750" cmpd="sng"/>
+        </p:spPr>
+        <p:style>
+          <a:lnRef idx="2">
+            <a:schemeClr val="dk1"/>
+          </a:lnRef>
+          <a:fillRef idx="1">
+            <a:schemeClr val="lt1"/>
+          </a:fillRef>
+          <a:effectRef idx="0">
+            <a:schemeClr val="dk1"/>
+          </a:effectRef>
+          <a:fontRef idx="minor">
+            <a:schemeClr val="dk1"/>
+          </a:fontRef>
+        </p:style>
+        <p:txBody>
+          <a:bodyPr rtlCol="0" anchor="ctr"/>
+          <a:lstStyle/>
+          <a:p>
+            <a:pPr algn="ctr"/>
             <a:endParaRPr kumimoji="1" lang="ja-JP" altLang="en-US"/>
+          </a:p>
+        </p:txBody>
+      </p:sp>
+      <p:cxnSp>
+        <p:nvCxnSpPr>
+          <p:cNvPr id="23" name="直線矢印コネクタ 22"/>
+          <p:cNvCxnSpPr/>
+          <p:nvPr/>
+        </p:nvCxnSpPr>
+        <p:spPr>
+          <a:xfrm flipV="1">
+            <a:off x="6588224" y="3501008"/>
+            <a:ext cx="0" cy="1152128"/>
+          </a:xfrm>
+          <a:prstGeom prst="straightConnector1">
+            <a:avLst/>
+          </a:prstGeom>
+          <a:ln w="44450">
+            <a:solidFill>
+              <a:schemeClr val="tx1"/>
+            </a:solidFill>
+            <a:tailEnd type="triangle" w="lg" len="lg"/>
+          </a:ln>
+        </p:spPr>
+        <p:style>
+          <a:lnRef idx="1">
+            <a:schemeClr val="accent1"/>
+          </a:lnRef>
+          <a:fillRef idx="0">
+            <a:schemeClr val="accent1"/>
+          </a:fillRef>
+          <a:effectRef idx="0">
+            <a:schemeClr val="accent1"/>
+          </a:effectRef>
+          <a:fontRef idx="minor">
+            <a:schemeClr val="tx1"/>
+          </a:fontRef>
+        </p:style>
+      </p:cxnSp>
+      <p:sp>
+        <p:nvSpPr>
+          <p:cNvPr id="24" name="二等辺三角形 23"/>
+          <p:cNvSpPr/>
+          <p:nvPr/>
+        </p:nvSpPr>
+        <p:spPr>
+          <a:xfrm>
+            <a:off x="6516216" y="3501008"/>
+            <a:ext cx="144016" cy="216024"/>
+          </a:xfrm>
+          <a:prstGeom prst="triangle">
+            <a:avLst/>
+          </a:prstGeom>
+          <a:ln w="31750" cmpd="sng"/>
+        </p:spPr>
+        <p:style>
+          <a:lnRef idx="2">
+            <a:schemeClr val="dk1"/>
+          </a:lnRef>
+          <a:fillRef idx="1">
+            <a:schemeClr val="lt1"/>
+          </a:fillRef>
+          <a:effectRef idx="0">
+            <a:schemeClr val="dk1"/>
+          </a:effectRef>
+          <a:fontRef idx="minor">
+            <a:schemeClr val="dk1"/>
+          </a:fontRef>
+        </p:style>
+        <p:txBody>
+          <a:bodyPr rtlCol="0" anchor="ctr"/>
+          <a:lstStyle/>
+          <a:p>
+            <a:pPr algn="ctr"/>
+            <a:endParaRPr kumimoji="1" lang="ja-JP" altLang="en-US"/>
+          </a:p>
+        </p:txBody>
+      </p:sp>
+      <p:cxnSp>
+        <p:nvCxnSpPr>
+          <p:cNvPr id="25" name="直線矢印コネクタ 24"/>
+          <p:cNvCxnSpPr>
+            <a:stCxn id="11" idx="3"/>
+            <a:endCxn id="14" idx="1"/>
+          </p:cNvCxnSpPr>
+          <p:nvPr/>
+        </p:nvCxnSpPr>
+        <p:spPr>
+          <a:xfrm>
+            <a:off x="3563888" y="4833156"/>
+            <a:ext cx="1440160" cy="0"/>
+          </a:xfrm>
+          <a:prstGeom prst="straightConnector1">
+            <a:avLst/>
+          </a:prstGeom>
+          <a:ln w="44450">
+            <a:solidFill>
+              <a:schemeClr val="tx1"/>
+            </a:solidFill>
+            <a:tailEnd type="arrow"/>
+          </a:ln>
+        </p:spPr>
+        <p:style>
+          <a:lnRef idx="1">
+            <a:schemeClr val="accent1"/>
+          </a:lnRef>
+          <a:fillRef idx="0">
+            <a:schemeClr val="accent1"/>
+          </a:fillRef>
+          <a:effectRef idx="0">
+            <a:schemeClr val="accent1"/>
+          </a:effectRef>
+          <a:fontRef idx="minor">
+            <a:schemeClr val="tx1"/>
+          </a:fontRef>
+        </p:style>
+      </p:cxnSp>
+      <p:sp>
+        <p:nvSpPr>
+          <p:cNvPr id="28" name="テキスト ボックス 27"/>
+          <p:cNvSpPr txBox="1"/>
+          <p:nvPr/>
+        </p:nvSpPr>
+        <p:spPr>
+          <a:xfrm>
+            <a:off x="3779912" y="1628800"/>
+            <a:ext cx="1056700" cy="369332"/>
+          </a:xfrm>
+          <a:prstGeom prst="rect">
+            <a:avLst/>
+          </a:prstGeom>
+          <a:noFill/>
+        </p:spPr>
+        <p:txBody>
+          <a:bodyPr wrap="none" rtlCol="0">
+            <a:spAutoFit/>
+          </a:bodyPr>
+          <a:lstStyle/>
+          <a:p>
+            <a:r>
+              <a:rPr lang="en-US" altLang="ja-JP" dirty="0" smtClean="0"/>
+              <a:t>Creates </a:t>
+            </a:r>
+            <a:endParaRPr kumimoji="1" lang="ja-JP" altLang="en-US" dirty="0"/>
+          </a:p>
+        </p:txBody>
+      </p:sp>
+      <p:sp>
+        <p:nvSpPr>
+          <p:cNvPr id="29" name="テキスト ボックス 28"/>
+          <p:cNvSpPr txBox="1"/>
+          <p:nvPr/>
+        </p:nvSpPr>
+        <p:spPr>
+          <a:xfrm>
+            <a:off x="3779912" y="4427820"/>
+            <a:ext cx="1056700" cy="369332"/>
+          </a:xfrm>
+          <a:prstGeom prst="rect">
+            <a:avLst/>
+          </a:prstGeom>
+          <a:noFill/>
+        </p:spPr>
+        <p:txBody>
+          <a:bodyPr wrap="none" rtlCol="0">
+            <a:spAutoFit/>
+          </a:bodyPr>
+          <a:lstStyle/>
+          <a:p>
+            <a:r>
+              <a:rPr lang="en-US" altLang="ja-JP" dirty="0" smtClean="0"/>
+              <a:t>Creates </a:t>
+            </a:r>
+            <a:endParaRPr kumimoji="1" lang="ja-JP" altLang="en-US" dirty="0"/>
+          </a:p>
+        </p:txBody>
+      </p:sp>
+      <p:sp>
+        <p:nvSpPr>
+          <p:cNvPr id="32" name="正方形/長方形 31"/>
+          <p:cNvSpPr/>
+          <p:nvPr/>
+        </p:nvSpPr>
+        <p:spPr>
+          <a:xfrm>
+            <a:off x="179512" y="1196752"/>
+            <a:ext cx="2304256" cy="360040"/>
+          </a:xfrm>
+          <a:prstGeom prst="rect">
+            <a:avLst/>
+          </a:prstGeom>
+          <a:ln cmpd="sng">
+            <a:prstDash val="solid"/>
+          </a:ln>
+        </p:spPr>
+        <p:style>
+          <a:lnRef idx="2">
+            <a:schemeClr val="dk1"/>
+          </a:lnRef>
+          <a:fillRef idx="1">
+            <a:schemeClr val="lt1"/>
+          </a:fillRef>
+          <a:effectRef idx="0">
+            <a:schemeClr val="dk1"/>
+          </a:effectRef>
+          <a:fontRef idx="minor">
+            <a:schemeClr val="dk1"/>
+          </a:fontRef>
+        </p:style>
+        <p:txBody>
+          <a:bodyPr rtlCol="0" anchor="ctr"/>
+          <a:lstStyle/>
+          <a:p>
+            <a:pPr algn="ctr"/>
+            <a:r>
+              <a:rPr lang="ja-JP" altLang="en-US" b="1" dirty="0" smtClean="0"/>
+              <a:t>フレームワーク</a:t>
+            </a:r>
+            <a:endParaRPr kumimoji="1" lang="ja-JP" altLang="en-US" b="1" dirty="0"/>
           </a:p>
         </p:txBody>
       </p:sp>
     </p:spTree>
     <p:extLst>
       <p:ext uri="{BB962C8B-B14F-4D97-AF65-F5344CB8AC3E}">
-        <p14:creationId xmlns:p14="http://schemas.microsoft.com/office/powerpoint/2010/main" val="2559478569"/>
+        <p14:creationId xmlns:p14="http://schemas.microsoft.com/office/powerpoint/2010/main" xmlns="" val="2559478569"/>
+      </p:ext>
+    </p:extLst>
+  </p:cSld>
+  <p:clrMapOvr>
+    <a:masterClrMapping/>
+  </p:clrMapOvr>
+</p:sld>
+</file>
+
+<file path=ppt/slides/slide5.xml><?xml version="1.0" encoding="utf-8"?>
+<p:sld xmlns:a="http://schemas.openxmlformats.org/drawingml/2006/main" xmlns:r="http://schemas.openxmlformats.org/officeDocument/2006/relationships" xmlns:p="http://schemas.openxmlformats.org/presentationml/2006/main">
+  <p:cSld>
+    <p:spTree>
+      <p:nvGrpSpPr>
+        <p:cNvPr id="1" name=""/>
+        <p:cNvGrpSpPr/>
+        <p:nvPr/>
+      </p:nvGrpSpPr>
+      <p:grpSpPr>
+        <a:xfrm>
+          <a:off x="0" y="0"/>
+          <a:ext cx="0" cy="0"/>
+          <a:chOff x="0" y="0"/>
+          <a:chExt cx="0" cy="0"/>
+        </a:xfrm>
+      </p:grpSpPr>
+      <p:sp>
+        <p:nvSpPr>
+          <p:cNvPr id="34" name="正方形/長方形 33"/>
+          <p:cNvSpPr/>
+          <p:nvPr/>
+        </p:nvSpPr>
+        <p:spPr>
+          <a:xfrm>
+            <a:off x="179512" y="4077072"/>
+            <a:ext cx="1728192" cy="360040"/>
+          </a:xfrm>
+          <a:prstGeom prst="rect">
+            <a:avLst/>
+          </a:prstGeom>
+          <a:ln cmpd="sng">
+            <a:prstDash val="solid"/>
+          </a:ln>
+        </p:spPr>
+        <p:style>
+          <a:lnRef idx="2">
+            <a:schemeClr val="dk1"/>
+          </a:lnRef>
+          <a:fillRef idx="1">
+            <a:schemeClr val="lt1"/>
+          </a:fillRef>
+          <a:effectRef idx="0">
+            <a:schemeClr val="dk1"/>
+          </a:effectRef>
+          <a:fontRef idx="minor">
+            <a:schemeClr val="dk1"/>
+          </a:fontRef>
+        </p:style>
+        <p:txBody>
+          <a:bodyPr lIns="36000" rIns="36000" rtlCol="0" anchor="ctr"/>
+          <a:lstStyle/>
+          <a:p>
+            <a:pPr algn="ctr"/>
+            <a:r>
+              <a:rPr kumimoji="1" lang="ja-JP" altLang="en-US" b="1" dirty="0" smtClean="0"/>
+              <a:t>具体的な肉付け</a:t>
+            </a:r>
+            <a:endParaRPr kumimoji="1" lang="ja-JP" altLang="en-US" b="1" dirty="0"/>
+          </a:p>
+        </p:txBody>
+      </p:sp>
+      <p:sp>
+        <p:nvSpPr>
+          <p:cNvPr id="33" name="正方形/長方形 32"/>
+          <p:cNvSpPr/>
+          <p:nvPr/>
+        </p:nvSpPr>
+        <p:spPr>
+          <a:xfrm>
+            <a:off x="179512" y="4437112"/>
+            <a:ext cx="8280920" cy="2088232"/>
+          </a:xfrm>
+          <a:prstGeom prst="rect">
+            <a:avLst/>
+          </a:prstGeom>
+        </p:spPr>
+        <p:style>
+          <a:lnRef idx="2">
+            <a:schemeClr val="dk1"/>
+          </a:lnRef>
+          <a:fillRef idx="1">
+            <a:schemeClr val="lt1"/>
+          </a:fillRef>
+          <a:effectRef idx="0">
+            <a:schemeClr val="dk1"/>
+          </a:effectRef>
+          <a:fontRef idx="minor">
+            <a:schemeClr val="dk1"/>
+          </a:fontRef>
+        </p:style>
+        <p:txBody>
+          <a:bodyPr rtlCol="0" anchor="ctr"/>
+          <a:lstStyle/>
+          <a:p>
+            <a:pPr algn="ctr"/>
+            <a:endParaRPr kumimoji="1" lang="ja-JP" altLang="en-US"/>
+          </a:p>
+        </p:txBody>
+      </p:sp>
+      <p:sp>
+        <p:nvSpPr>
+          <p:cNvPr id="31" name="正方形/長方形 30"/>
+          <p:cNvSpPr/>
+          <p:nvPr/>
+        </p:nvSpPr>
+        <p:spPr>
+          <a:xfrm>
+            <a:off x="179512" y="1556792"/>
+            <a:ext cx="8280920" cy="2088232"/>
+          </a:xfrm>
+          <a:prstGeom prst="rect">
+            <a:avLst/>
+          </a:prstGeom>
+        </p:spPr>
+        <p:style>
+          <a:lnRef idx="2">
+            <a:schemeClr val="dk1"/>
+          </a:lnRef>
+          <a:fillRef idx="1">
+            <a:schemeClr val="lt1"/>
+          </a:fillRef>
+          <a:effectRef idx="0">
+            <a:schemeClr val="dk1"/>
+          </a:effectRef>
+          <a:fontRef idx="minor">
+            <a:schemeClr val="dk1"/>
+          </a:fontRef>
+        </p:style>
+        <p:txBody>
+          <a:bodyPr rtlCol="0" anchor="ctr"/>
+          <a:lstStyle/>
+          <a:p>
+            <a:pPr algn="ctr"/>
+            <a:endParaRPr kumimoji="1" lang="ja-JP" altLang="en-US"/>
+          </a:p>
+        </p:txBody>
+      </p:sp>
+      <p:sp>
+        <p:nvSpPr>
+          <p:cNvPr id="30" name="角丸四角形 29"/>
+          <p:cNvSpPr/>
+          <p:nvPr/>
+        </p:nvSpPr>
+        <p:spPr>
+          <a:xfrm>
+            <a:off x="395536" y="1556792"/>
+            <a:ext cx="3312368" cy="4968552"/>
+          </a:xfrm>
+          <a:prstGeom prst="roundRect">
+            <a:avLst/>
+          </a:prstGeom>
+        </p:spPr>
+        <p:style>
+          <a:lnRef idx="1">
+            <a:schemeClr val="accent1"/>
+          </a:lnRef>
+          <a:fillRef idx="2">
+            <a:schemeClr val="accent1"/>
+          </a:fillRef>
+          <a:effectRef idx="1">
+            <a:schemeClr val="accent1"/>
+          </a:effectRef>
+          <a:fontRef idx="minor">
+            <a:schemeClr val="dk1"/>
+          </a:fontRef>
+        </p:style>
+        <p:txBody>
+          <a:bodyPr rtlCol="0" anchor="ctr"/>
+          <a:lstStyle/>
+          <a:p>
+            <a:pPr algn="ctr"/>
+            <a:endParaRPr kumimoji="1" lang="ja-JP" altLang="en-US"/>
+          </a:p>
+        </p:txBody>
+      </p:sp>
+      <p:sp>
+        <p:nvSpPr>
+          <p:cNvPr id="3" name="スライド番号プレースホルダー 2"/>
+          <p:cNvSpPr>
+            <a:spLocks noGrp="1"/>
+          </p:cNvSpPr>
+          <p:nvPr>
+            <p:ph type="sldNum" sz="quarter" idx="12"/>
+          </p:nvPr>
+        </p:nvSpPr>
+        <p:spPr/>
+        <p:txBody>
+          <a:bodyPr/>
+          <a:lstStyle/>
+          <a:p>
+            <a:fld id="{D2D8002D-B5B0-4BAC-B1F6-782DDCCE6D9C}" type="slidenum">
+              <a:rPr kumimoji="1" lang="ja-JP" altLang="en-US" smtClean="0"/>
+              <a:pPr/>
+              <a:t>5</a:t>
+            </a:fld>
+            <a:endParaRPr kumimoji="1" lang="ja-JP" altLang="en-US" dirty="0"/>
+          </a:p>
+        </p:txBody>
+      </p:sp>
+      <p:sp>
+        <p:nvSpPr>
+          <p:cNvPr id="4" name="タイトル 3"/>
+          <p:cNvSpPr>
+            <a:spLocks noGrp="1"/>
+          </p:cNvSpPr>
+          <p:nvPr>
+            <p:ph type="title"/>
+          </p:nvPr>
+        </p:nvSpPr>
+        <p:spPr/>
+        <p:txBody>
+          <a:bodyPr/>
+          <a:lstStyle/>
+          <a:p>
+            <a:r>
+              <a:rPr kumimoji="1" lang="en-US" altLang="ja-JP" dirty="0" smtClean="0"/>
+              <a:t>2.</a:t>
+            </a:r>
+            <a:r>
+              <a:rPr kumimoji="1" lang="ja-JP" altLang="en-US" dirty="0" smtClean="0"/>
+              <a:t>クラス図</a:t>
+            </a:r>
+            <a:r>
+              <a:rPr kumimoji="1" lang="en-US" altLang="ja-JP" dirty="0" smtClean="0"/>
+              <a:t>(2/2)</a:t>
+            </a:r>
+            <a:endParaRPr kumimoji="1" lang="ja-JP" altLang="en-US" dirty="0"/>
+          </a:p>
+        </p:txBody>
+      </p:sp>
+      <p:sp>
+        <p:nvSpPr>
+          <p:cNvPr id="5" name="正方形/長方形 4"/>
+          <p:cNvSpPr/>
+          <p:nvPr/>
+        </p:nvSpPr>
+        <p:spPr>
+          <a:xfrm>
+            <a:off x="539552" y="1844824"/>
+            <a:ext cx="3024336" cy="360040"/>
+          </a:xfrm>
+          <a:prstGeom prst="rect">
+            <a:avLst/>
+          </a:prstGeom>
+          <a:ln cmpd="sng">
+            <a:prstDash val="solid"/>
+          </a:ln>
+        </p:spPr>
+        <p:style>
+          <a:lnRef idx="2">
+            <a:schemeClr val="dk1"/>
+          </a:lnRef>
+          <a:fillRef idx="1">
+            <a:schemeClr val="lt1"/>
+          </a:fillRef>
+          <a:effectRef idx="0">
+            <a:schemeClr val="dk1"/>
+          </a:effectRef>
+          <a:fontRef idx="minor">
+            <a:schemeClr val="dk1"/>
+          </a:fontRef>
+        </p:style>
+        <p:txBody>
+          <a:bodyPr rtlCol="0" anchor="ctr"/>
+          <a:lstStyle/>
+          <a:p>
+            <a:pPr algn="ctr"/>
+            <a:r>
+              <a:rPr kumimoji="1" lang="en-US" altLang="ja-JP" i="1" dirty="0" smtClean="0"/>
+              <a:t>Creator</a:t>
+            </a:r>
+            <a:endParaRPr kumimoji="1" lang="ja-JP" altLang="en-US" i="1" dirty="0"/>
+          </a:p>
+        </p:txBody>
+      </p:sp>
+      <p:sp>
+        <p:nvSpPr>
+          <p:cNvPr id="6" name="正方形/長方形 5"/>
+          <p:cNvSpPr/>
+          <p:nvPr/>
+        </p:nvSpPr>
+        <p:spPr>
+          <a:xfrm>
+            <a:off x="539552" y="2204864"/>
+            <a:ext cx="3024336" cy="144016"/>
+          </a:xfrm>
+          <a:prstGeom prst="rect">
+            <a:avLst/>
+          </a:prstGeom>
+          <a:ln cmpd="sng">
+            <a:prstDash val="solid"/>
+          </a:ln>
+        </p:spPr>
+        <p:style>
+          <a:lnRef idx="2">
+            <a:schemeClr val="dk1"/>
+          </a:lnRef>
+          <a:fillRef idx="1">
+            <a:schemeClr val="lt1"/>
+          </a:fillRef>
+          <a:effectRef idx="0">
+            <a:schemeClr val="dk1"/>
+          </a:effectRef>
+          <a:fontRef idx="minor">
+            <a:schemeClr val="dk1"/>
+          </a:fontRef>
+        </p:style>
+        <p:txBody>
+          <a:bodyPr rtlCol="0" anchor="ctr"/>
+          <a:lstStyle/>
+          <a:p>
+            <a:pPr algn="ctr"/>
+            <a:endParaRPr kumimoji="1" lang="ja-JP" altLang="en-US" dirty="0"/>
+          </a:p>
+        </p:txBody>
+      </p:sp>
+      <p:sp>
+        <p:nvSpPr>
+          <p:cNvPr id="7" name="正方形/長方形 6"/>
+          <p:cNvSpPr/>
+          <p:nvPr/>
+        </p:nvSpPr>
+        <p:spPr>
+          <a:xfrm>
+            <a:off x="539552" y="2348880"/>
+            <a:ext cx="3024336" cy="1152128"/>
+          </a:xfrm>
+          <a:prstGeom prst="rect">
+            <a:avLst/>
+          </a:prstGeom>
+          <a:ln cmpd="sng">
+            <a:prstDash val="solid"/>
+          </a:ln>
+        </p:spPr>
+        <p:style>
+          <a:lnRef idx="2">
+            <a:schemeClr val="dk1"/>
+          </a:lnRef>
+          <a:fillRef idx="1">
+            <a:schemeClr val="lt1"/>
+          </a:fillRef>
+          <a:effectRef idx="0">
+            <a:schemeClr val="dk1"/>
+          </a:effectRef>
+          <a:fontRef idx="minor">
+            <a:schemeClr val="dk1"/>
+          </a:fontRef>
+        </p:style>
+        <p:txBody>
+          <a:bodyPr rtlCol="0" anchor="ctr"/>
+          <a:lstStyle/>
+          <a:p>
+            <a:r>
+              <a:rPr kumimoji="1" lang="en-US" altLang="ja-JP" dirty="0" smtClean="0"/>
+              <a:t>create (</a:t>
+            </a:r>
+            <a:r>
+              <a:rPr kumimoji="1" lang="en-US" altLang="ja-JP" dirty="0" smtClean="0">
+                <a:solidFill>
+                  <a:srgbClr val="FF0000"/>
+                </a:solidFill>
+              </a:rPr>
+              <a:t>Template Method</a:t>
+            </a:r>
+            <a:r>
+              <a:rPr kumimoji="1" lang="en-US" altLang="ja-JP" dirty="0" smtClean="0"/>
+              <a:t>)</a:t>
+            </a:r>
+          </a:p>
+          <a:p>
+            <a:r>
+              <a:rPr lang="en-US" altLang="ja-JP" i="1" dirty="0" err="1" smtClean="0"/>
+              <a:t>factoryMethod</a:t>
+            </a:r>
+            <a:endParaRPr kumimoji="1" lang="ja-JP" altLang="en-US" i="1" dirty="0"/>
+          </a:p>
+        </p:txBody>
+      </p:sp>
+      <p:sp>
+        <p:nvSpPr>
+          <p:cNvPr id="8" name="正方形/長方形 7"/>
+          <p:cNvSpPr/>
+          <p:nvPr/>
+        </p:nvSpPr>
+        <p:spPr>
+          <a:xfrm>
+            <a:off x="5004048" y="1844824"/>
+            <a:ext cx="3024336" cy="360040"/>
+          </a:xfrm>
+          <a:prstGeom prst="rect">
+            <a:avLst/>
+          </a:prstGeom>
+          <a:ln cmpd="sng">
+            <a:prstDash val="solid"/>
+          </a:ln>
+        </p:spPr>
+        <p:style>
+          <a:lnRef idx="2">
+            <a:schemeClr val="dk1"/>
+          </a:lnRef>
+          <a:fillRef idx="1">
+            <a:schemeClr val="lt1"/>
+          </a:fillRef>
+          <a:effectRef idx="0">
+            <a:schemeClr val="dk1"/>
+          </a:effectRef>
+          <a:fontRef idx="minor">
+            <a:schemeClr val="dk1"/>
+          </a:fontRef>
+        </p:style>
+        <p:txBody>
+          <a:bodyPr rtlCol="0" anchor="ctr"/>
+          <a:lstStyle/>
+          <a:p>
+            <a:pPr algn="ctr"/>
+            <a:r>
+              <a:rPr kumimoji="1" lang="en-US" altLang="ja-JP" i="1" dirty="0" smtClean="0"/>
+              <a:t>Product</a:t>
+            </a:r>
+            <a:endParaRPr kumimoji="1" lang="ja-JP" altLang="en-US" i="1" dirty="0"/>
+          </a:p>
+        </p:txBody>
+      </p:sp>
+      <p:sp>
+        <p:nvSpPr>
+          <p:cNvPr id="9" name="正方形/長方形 8"/>
+          <p:cNvSpPr/>
+          <p:nvPr/>
+        </p:nvSpPr>
+        <p:spPr>
+          <a:xfrm>
+            <a:off x="5004048" y="2204864"/>
+            <a:ext cx="3024336" cy="144016"/>
+          </a:xfrm>
+          <a:prstGeom prst="rect">
+            <a:avLst/>
+          </a:prstGeom>
+          <a:ln cmpd="sng">
+            <a:prstDash val="solid"/>
+          </a:ln>
+        </p:spPr>
+        <p:style>
+          <a:lnRef idx="2">
+            <a:schemeClr val="dk1"/>
+          </a:lnRef>
+          <a:fillRef idx="1">
+            <a:schemeClr val="lt1"/>
+          </a:fillRef>
+          <a:effectRef idx="0">
+            <a:schemeClr val="dk1"/>
+          </a:effectRef>
+          <a:fontRef idx="minor">
+            <a:schemeClr val="dk1"/>
+          </a:fontRef>
+        </p:style>
+        <p:txBody>
+          <a:bodyPr rtlCol="0" anchor="ctr"/>
+          <a:lstStyle/>
+          <a:p>
+            <a:pPr algn="ctr"/>
+            <a:endParaRPr kumimoji="1" lang="ja-JP" altLang="en-US" dirty="0"/>
+          </a:p>
+        </p:txBody>
+      </p:sp>
+      <p:sp>
+        <p:nvSpPr>
+          <p:cNvPr id="10" name="正方形/長方形 9"/>
+          <p:cNvSpPr/>
+          <p:nvPr/>
+        </p:nvSpPr>
+        <p:spPr>
+          <a:xfrm>
+            <a:off x="5004048" y="2348880"/>
+            <a:ext cx="3024336" cy="1152128"/>
+          </a:xfrm>
+          <a:prstGeom prst="rect">
+            <a:avLst/>
+          </a:prstGeom>
+          <a:ln cmpd="sng">
+            <a:prstDash val="solid"/>
+          </a:ln>
+        </p:spPr>
+        <p:style>
+          <a:lnRef idx="2">
+            <a:schemeClr val="dk1"/>
+          </a:lnRef>
+          <a:fillRef idx="1">
+            <a:schemeClr val="lt1"/>
+          </a:fillRef>
+          <a:effectRef idx="0">
+            <a:schemeClr val="dk1"/>
+          </a:effectRef>
+          <a:fontRef idx="minor">
+            <a:schemeClr val="dk1"/>
+          </a:fontRef>
+        </p:style>
+        <p:txBody>
+          <a:bodyPr rtlCol="0" anchor="ctr"/>
+          <a:lstStyle/>
+          <a:p>
+            <a:r>
+              <a:rPr kumimoji="1" lang="en-US" altLang="ja-JP" i="1" dirty="0" smtClean="0"/>
+              <a:t>method1</a:t>
+            </a:r>
+          </a:p>
+          <a:p>
+            <a:r>
+              <a:rPr lang="en-US" altLang="ja-JP" i="1" dirty="0" smtClean="0"/>
+              <a:t>method2</a:t>
+            </a:r>
+          </a:p>
+          <a:p>
+            <a:r>
+              <a:rPr kumimoji="1" lang="en-US" altLang="ja-JP" i="1" dirty="0" smtClean="0"/>
+              <a:t>method3</a:t>
+            </a:r>
+            <a:endParaRPr kumimoji="1" lang="ja-JP" altLang="en-US" i="1" dirty="0"/>
+          </a:p>
+        </p:txBody>
+      </p:sp>
+      <p:sp>
+        <p:nvSpPr>
+          <p:cNvPr id="11" name="正方形/長方形 10"/>
+          <p:cNvSpPr/>
+          <p:nvPr/>
+        </p:nvSpPr>
+        <p:spPr>
+          <a:xfrm>
+            <a:off x="539552" y="4653136"/>
+            <a:ext cx="3024336" cy="360040"/>
+          </a:xfrm>
+          <a:prstGeom prst="rect">
+            <a:avLst/>
+          </a:prstGeom>
+          <a:ln cmpd="sng">
+            <a:prstDash val="solid"/>
+          </a:ln>
+        </p:spPr>
+        <p:style>
+          <a:lnRef idx="2">
+            <a:schemeClr val="dk1"/>
+          </a:lnRef>
+          <a:fillRef idx="1">
+            <a:schemeClr val="lt1"/>
+          </a:fillRef>
+          <a:effectRef idx="0">
+            <a:schemeClr val="dk1"/>
+          </a:effectRef>
+          <a:fontRef idx="minor">
+            <a:schemeClr val="dk1"/>
+          </a:fontRef>
+        </p:style>
+        <p:txBody>
+          <a:bodyPr rtlCol="0" anchor="ctr"/>
+          <a:lstStyle/>
+          <a:p>
+            <a:pPr algn="ctr"/>
+            <a:r>
+              <a:rPr kumimoji="1" lang="en-US" altLang="ja-JP" dirty="0" err="1" smtClean="0"/>
+              <a:t>ConcreteCreator</a:t>
+            </a:r>
+            <a:endParaRPr kumimoji="1" lang="ja-JP" altLang="en-US" dirty="0"/>
+          </a:p>
+        </p:txBody>
+      </p:sp>
+      <p:sp>
+        <p:nvSpPr>
+          <p:cNvPr id="12" name="正方形/長方形 11"/>
+          <p:cNvSpPr/>
+          <p:nvPr/>
+        </p:nvSpPr>
+        <p:spPr>
+          <a:xfrm>
+            <a:off x="539552" y="5013176"/>
+            <a:ext cx="3024336" cy="144016"/>
+          </a:xfrm>
+          <a:prstGeom prst="rect">
+            <a:avLst/>
+          </a:prstGeom>
+          <a:ln cmpd="sng">
+            <a:prstDash val="solid"/>
+          </a:ln>
+        </p:spPr>
+        <p:style>
+          <a:lnRef idx="2">
+            <a:schemeClr val="dk1"/>
+          </a:lnRef>
+          <a:fillRef idx="1">
+            <a:schemeClr val="lt1"/>
+          </a:fillRef>
+          <a:effectRef idx="0">
+            <a:schemeClr val="dk1"/>
+          </a:effectRef>
+          <a:fontRef idx="minor">
+            <a:schemeClr val="dk1"/>
+          </a:fontRef>
+        </p:style>
+        <p:txBody>
+          <a:bodyPr rtlCol="0" anchor="ctr"/>
+          <a:lstStyle/>
+          <a:p>
+            <a:pPr algn="ctr"/>
+            <a:endParaRPr kumimoji="1" lang="ja-JP" altLang="en-US" dirty="0"/>
+          </a:p>
+        </p:txBody>
+      </p:sp>
+      <p:sp>
+        <p:nvSpPr>
+          <p:cNvPr id="13" name="正方形/長方形 12"/>
+          <p:cNvSpPr/>
+          <p:nvPr/>
+        </p:nvSpPr>
+        <p:spPr>
+          <a:xfrm>
+            <a:off x="539552" y="5157192"/>
+            <a:ext cx="3024336" cy="1152128"/>
+          </a:xfrm>
+          <a:prstGeom prst="rect">
+            <a:avLst/>
+          </a:prstGeom>
+          <a:ln cmpd="sng">
+            <a:prstDash val="solid"/>
+          </a:ln>
+        </p:spPr>
+        <p:style>
+          <a:lnRef idx="2">
+            <a:schemeClr val="dk1"/>
+          </a:lnRef>
+          <a:fillRef idx="1">
+            <a:schemeClr val="lt1"/>
+          </a:fillRef>
+          <a:effectRef idx="0">
+            <a:schemeClr val="dk1"/>
+          </a:effectRef>
+          <a:fontRef idx="minor">
+            <a:schemeClr val="dk1"/>
+          </a:fontRef>
+        </p:style>
+        <p:txBody>
+          <a:bodyPr rtlCol="0" anchor="ctr"/>
+          <a:lstStyle/>
+          <a:p>
+            <a:r>
+              <a:rPr lang="en-US" altLang="ja-JP" dirty="0" err="1" smtClean="0"/>
+              <a:t>factoryMethod</a:t>
+            </a:r>
+            <a:endParaRPr kumimoji="1" lang="ja-JP" altLang="en-US" dirty="0"/>
+          </a:p>
+        </p:txBody>
+      </p:sp>
+      <p:sp>
+        <p:nvSpPr>
+          <p:cNvPr id="14" name="正方形/長方形 13"/>
+          <p:cNvSpPr/>
+          <p:nvPr/>
+        </p:nvSpPr>
+        <p:spPr>
+          <a:xfrm>
+            <a:off x="5004048" y="4653136"/>
+            <a:ext cx="3024336" cy="360040"/>
+          </a:xfrm>
+          <a:prstGeom prst="rect">
+            <a:avLst/>
+          </a:prstGeom>
+          <a:ln cmpd="sng">
+            <a:prstDash val="solid"/>
+          </a:ln>
+        </p:spPr>
+        <p:style>
+          <a:lnRef idx="2">
+            <a:schemeClr val="dk1"/>
+          </a:lnRef>
+          <a:fillRef idx="1">
+            <a:schemeClr val="lt1"/>
+          </a:fillRef>
+          <a:effectRef idx="0">
+            <a:schemeClr val="dk1"/>
+          </a:effectRef>
+          <a:fontRef idx="minor">
+            <a:schemeClr val="dk1"/>
+          </a:fontRef>
+        </p:style>
+        <p:txBody>
+          <a:bodyPr rtlCol="0" anchor="ctr"/>
+          <a:lstStyle/>
+          <a:p>
+            <a:pPr algn="ctr"/>
+            <a:r>
+              <a:rPr kumimoji="1" lang="en-US" altLang="ja-JP" dirty="0" err="1" smtClean="0"/>
+              <a:t>ConcreteProduct</a:t>
+            </a:r>
+            <a:endParaRPr kumimoji="1" lang="ja-JP" altLang="en-US" dirty="0"/>
+          </a:p>
+        </p:txBody>
+      </p:sp>
+      <p:sp>
+        <p:nvSpPr>
+          <p:cNvPr id="15" name="正方形/長方形 14"/>
+          <p:cNvSpPr/>
+          <p:nvPr/>
+        </p:nvSpPr>
+        <p:spPr>
+          <a:xfrm>
+            <a:off x="5004048" y="5013176"/>
+            <a:ext cx="3024336" cy="144016"/>
+          </a:xfrm>
+          <a:prstGeom prst="rect">
+            <a:avLst/>
+          </a:prstGeom>
+          <a:ln cmpd="sng">
+            <a:prstDash val="solid"/>
+          </a:ln>
+        </p:spPr>
+        <p:style>
+          <a:lnRef idx="2">
+            <a:schemeClr val="dk1"/>
+          </a:lnRef>
+          <a:fillRef idx="1">
+            <a:schemeClr val="lt1"/>
+          </a:fillRef>
+          <a:effectRef idx="0">
+            <a:schemeClr val="dk1"/>
+          </a:effectRef>
+          <a:fontRef idx="minor">
+            <a:schemeClr val="dk1"/>
+          </a:fontRef>
+        </p:style>
+        <p:txBody>
+          <a:bodyPr rtlCol="0" anchor="ctr"/>
+          <a:lstStyle/>
+          <a:p>
+            <a:pPr algn="ctr"/>
+            <a:endParaRPr kumimoji="1" lang="ja-JP" altLang="en-US" dirty="0"/>
+          </a:p>
+        </p:txBody>
+      </p:sp>
+      <p:sp>
+        <p:nvSpPr>
+          <p:cNvPr id="16" name="正方形/長方形 15"/>
+          <p:cNvSpPr/>
+          <p:nvPr/>
+        </p:nvSpPr>
+        <p:spPr>
+          <a:xfrm>
+            <a:off x="5004048" y="5157192"/>
+            <a:ext cx="3024336" cy="1152128"/>
+          </a:xfrm>
+          <a:prstGeom prst="rect">
+            <a:avLst/>
+          </a:prstGeom>
+          <a:ln cmpd="sng">
+            <a:prstDash val="solid"/>
+          </a:ln>
+        </p:spPr>
+        <p:style>
+          <a:lnRef idx="2">
+            <a:schemeClr val="dk1"/>
+          </a:lnRef>
+          <a:fillRef idx="1">
+            <a:schemeClr val="lt1"/>
+          </a:fillRef>
+          <a:effectRef idx="0">
+            <a:schemeClr val="dk1"/>
+          </a:effectRef>
+          <a:fontRef idx="minor">
+            <a:schemeClr val="dk1"/>
+          </a:fontRef>
+        </p:style>
+        <p:txBody>
+          <a:bodyPr rtlCol="0" anchor="ctr"/>
+          <a:lstStyle/>
+          <a:p>
+            <a:r>
+              <a:rPr lang="en-US" altLang="ja-JP" dirty="0" smtClean="0"/>
+              <a:t>method1</a:t>
+            </a:r>
+          </a:p>
+          <a:p>
+            <a:r>
+              <a:rPr kumimoji="1" lang="en-US" altLang="ja-JP" dirty="0" smtClean="0"/>
+              <a:t>method2</a:t>
+            </a:r>
+          </a:p>
+          <a:p>
+            <a:r>
+              <a:rPr lang="en-US" altLang="ja-JP" dirty="0" smtClean="0"/>
+              <a:t>method3</a:t>
+            </a:r>
+            <a:endParaRPr kumimoji="1" lang="ja-JP" altLang="en-US" dirty="0"/>
+          </a:p>
+        </p:txBody>
+      </p:sp>
+      <p:cxnSp>
+        <p:nvCxnSpPr>
+          <p:cNvPr id="18" name="直線矢印コネクタ 17"/>
+          <p:cNvCxnSpPr>
+            <a:stCxn id="5" idx="3"/>
+            <a:endCxn id="8" idx="1"/>
+          </p:cNvCxnSpPr>
+          <p:nvPr/>
+        </p:nvCxnSpPr>
+        <p:spPr>
+          <a:xfrm>
+            <a:off x="3563888" y="2024844"/>
+            <a:ext cx="1440160" cy="0"/>
+          </a:xfrm>
+          <a:prstGeom prst="straightConnector1">
+            <a:avLst/>
+          </a:prstGeom>
+          <a:ln w="44450">
+            <a:solidFill>
+              <a:schemeClr val="tx1"/>
+            </a:solidFill>
+            <a:tailEnd type="arrow"/>
+          </a:ln>
+        </p:spPr>
+        <p:style>
+          <a:lnRef idx="1">
+            <a:schemeClr val="accent1"/>
+          </a:lnRef>
+          <a:fillRef idx="0">
+            <a:schemeClr val="accent1"/>
+          </a:fillRef>
+          <a:effectRef idx="0">
+            <a:schemeClr val="accent1"/>
+          </a:effectRef>
+          <a:fontRef idx="minor">
+            <a:schemeClr val="tx1"/>
+          </a:fontRef>
+        </p:style>
+      </p:cxnSp>
+      <p:cxnSp>
+        <p:nvCxnSpPr>
+          <p:cNvPr id="19" name="直線矢印コネクタ 18"/>
+          <p:cNvCxnSpPr>
+            <a:stCxn id="11" idx="0"/>
+            <a:endCxn id="7" idx="2"/>
+          </p:cNvCxnSpPr>
+          <p:nvPr/>
+        </p:nvCxnSpPr>
+        <p:spPr>
+          <a:xfrm flipV="1">
+            <a:off x="2051720" y="3501008"/>
+            <a:ext cx="0" cy="1152128"/>
+          </a:xfrm>
+          <a:prstGeom prst="straightConnector1">
+            <a:avLst/>
+          </a:prstGeom>
+          <a:ln w="44450">
+            <a:solidFill>
+              <a:schemeClr val="tx1"/>
+            </a:solidFill>
+            <a:tailEnd type="triangle" w="lg" len="lg"/>
+          </a:ln>
+        </p:spPr>
+        <p:style>
+          <a:lnRef idx="1">
+            <a:schemeClr val="accent1"/>
+          </a:lnRef>
+          <a:fillRef idx="0">
+            <a:schemeClr val="accent1"/>
+          </a:fillRef>
+          <a:effectRef idx="0">
+            <a:schemeClr val="accent1"/>
+          </a:effectRef>
+          <a:fontRef idx="minor">
+            <a:schemeClr val="tx1"/>
+          </a:fontRef>
+        </p:style>
+      </p:cxnSp>
+      <p:sp>
+        <p:nvSpPr>
+          <p:cNvPr id="22" name="二等辺三角形 21"/>
+          <p:cNvSpPr/>
+          <p:nvPr/>
+        </p:nvSpPr>
+        <p:spPr>
+          <a:xfrm>
+            <a:off x="1979712" y="3501008"/>
+            <a:ext cx="144016" cy="216024"/>
+          </a:xfrm>
+          <a:prstGeom prst="triangle">
+            <a:avLst/>
+          </a:prstGeom>
+          <a:ln w="31750" cmpd="sng"/>
+        </p:spPr>
+        <p:style>
+          <a:lnRef idx="2">
+            <a:schemeClr val="dk1"/>
+          </a:lnRef>
+          <a:fillRef idx="1">
+            <a:schemeClr val="lt1"/>
+          </a:fillRef>
+          <a:effectRef idx="0">
+            <a:schemeClr val="dk1"/>
+          </a:effectRef>
+          <a:fontRef idx="minor">
+            <a:schemeClr val="dk1"/>
+          </a:fontRef>
+        </p:style>
+        <p:txBody>
+          <a:bodyPr rtlCol="0" anchor="ctr"/>
+          <a:lstStyle/>
+          <a:p>
+            <a:pPr algn="ctr"/>
+            <a:endParaRPr kumimoji="1" lang="ja-JP" altLang="en-US"/>
+          </a:p>
+        </p:txBody>
+      </p:sp>
+      <p:cxnSp>
+        <p:nvCxnSpPr>
+          <p:cNvPr id="23" name="直線矢印コネクタ 22"/>
+          <p:cNvCxnSpPr/>
+          <p:nvPr/>
+        </p:nvCxnSpPr>
+        <p:spPr>
+          <a:xfrm flipV="1">
+            <a:off x="6588224" y="3501008"/>
+            <a:ext cx="0" cy="1152128"/>
+          </a:xfrm>
+          <a:prstGeom prst="straightConnector1">
+            <a:avLst/>
+          </a:prstGeom>
+          <a:ln w="44450">
+            <a:solidFill>
+              <a:schemeClr val="tx1"/>
+            </a:solidFill>
+            <a:tailEnd type="triangle" w="lg" len="lg"/>
+          </a:ln>
+        </p:spPr>
+        <p:style>
+          <a:lnRef idx="1">
+            <a:schemeClr val="accent1"/>
+          </a:lnRef>
+          <a:fillRef idx="0">
+            <a:schemeClr val="accent1"/>
+          </a:fillRef>
+          <a:effectRef idx="0">
+            <a:schemeClr val="accent1"/>
+          </a:effectRef>
+          <a:fontRef idx="minor">
+            <a:schemeClr val="tx1"/>
+          </a:fontRef>
+        </p:style>
+      </p:cxnSp>
+      <p:sp>
+        <p:nvSpPr>
+          <p:cNvPr id="24" name="二等辺三角形 23"/>
+          <p:cNvSpPr/>
+          <p:nvPr/>
+        </p:nvSpPr>
+        <p:spPr>
+          <a:xfrm>
+            <a:off x="6516216" y="3501008"/>
+            <a:ext cx="144016" cy="216024"/>
+          </a:xfrm>
+          <a:prstGeom prst="triangle">
+            <a:avLst/>
+          </a:prstGeom>
+          <a:ln w="31750" cmpd="sng"/>
+        </p:spPr>
+        <p:style>
+          <a:lnRef idx="2">
+            <a:schemeClr val="dk1"/>
+          </a:lnRef>
+          <a:fillRef idx="1">
+            <a:schemeClr val="lt1"/>
+          </a:fillRef>
+          <a:effectRef idx="0">
+            <a:schemeClr val="dk1"/>
+          </a:effectRef>
+          <a:fontRef idx="minor">
+            <a:schemeClr val="dk1"/>
+          </a:fontRef>
+        </p:style>
+        <p:txBody>
+          <a:bodyPr rtlCol="0" anchor="ctr"/>
+          <a:lstStyle/>
+          <a:p>
+            <a:pPr algn="ctr"/>
+            <a:endParaRPr kumimoji="1" lang="ja-JP" altLang="en-US"/>
+          </a:p>
+        </p:txBody>
+      </p:sp>
+      <p:cxnSp>
+        <p:nvCxnSpPr>
+          <p:cNvPr id="25" name="直線矢印コネクタ 24"/>
+          <p:cNvCxnSpPr>
+            <a:stCxn id="11" idx="3"/>
+            <a:endCxn id="14" idx="1"/>
+          </p:cNvCxnSpPr>
+          <p:nvPr/>
+        </p:nvCxnSpPr>
+        <p:spPr>
+          <a:xfrm>
+            <a:off x="3563888" y="4833156"/>
+            <a:ext cx="1440160" cy="0"/>
+          </a:xfrm>
+          <a:prstGeom prst="straightConnector1">
+            <a:avLst/>
+          </a:prstGeom>
+          <a:ln w="44450">
+            <a:solidFill>
+              <a:schemeClr val="tx1"/>
+            </a:solidFill>
+            <a:tailEnd type="arrow"/>
+          </a:ln>
+        </p:spPr>
+        <p:style>
+          <a:lnRef idx="1">
+            <a:schemeClr val="accent1"/>
+          </a:lnRef>
+          <a:fillRef idx="0">
+            <a:schemeClr val="accent1"/>
+          </a:fillRef>
+          <a:effectRef idx="0">
+            <a:schemeClr val="accent1"/>
+          </a:effectRef>
+          <a:fontRef idx="minor">
+            <a:schemeClr val="tx1"/>
+          </a:fontRef>
+        </p:style>
+      </p:cxnSp>
+      <p:sp>
+        <p:nvSpPr>
+          <p:cNvPr id="28" name="テキスト ボックス 27"/>
+          <p:cNvSpPr txBox="1"/>
+          <p:nvPr/>
+        </p:nvSpPr>
+        <p:spPr>
+          <a:xfrm>
+            <a:off x="3779912" y="1628800"/>
+            <a:ext cx="1056700" cy="369332"/>
+          </a:xfrm>
+          <a:prstGeom prst="rect">
+            <a:avLst/>
+          </a:prstGeom>
+          <a:noFill/>
+        </p:spPr>
+        <p:txBody>
+          <a:bodyPr wrap="none" rtlCol="0">
+            <a:spAutoFit/>
+          </a:bodyPr>
+          <a:lstStyle/>
+          <a:p>
+            <a:r>
+              <a:rPr lang="en-US" altLang="ja-JP" dirty="0" smtClean="0"/>
+              <a:t>Creates </a:t>
+            </a:r>
+            <a:endParaRPr kumimoji="1" lang="ja-JP" altLang="en-US" dirty="0"/>
+          </a:p>
+        </p:txBody>
+      </p:sp>
+      <p:sp>
+        <p:nvSpPr>
+          <p:cNvPr id="29" name="テキスト ボックス 28"/>
+          <p:cNvSpPr txBox="1"/>
+          <p:nvPr/>
+        </p:nvSpPr>
+        <p:spPr>
+          <a:xfrm>
+            <a:off x="3779912" y="4427820"/>
+            <a:ext cx="1056700" cy="369332"/>
+          </a:xfrm>
+          <a:prstGeom prst="rect">
+            <a:avLst/>
+          </a:prstGeom>
+          <a:noFill/>
+        </p:spPr>
+        <p:txBody>
+          <a:bodyPr wrap="none" rtlCol="0">
+            <a:spAutoFit/>
+          </a:bodyPr>
+          <a:lstStyle/>
+          <a:p>
+            <a:r>
+              <a:rPr lang="en-US" altLang="ja-JP" dirty="0" smtClean="0"/>
+              <a:t>Creates </a:t>
+            </a:r>
+            <a:endParaRPr kumimoji="1" lang="ja-JP" altLang="en-US" dirty="0"/>
+          </a:p>
+        </p:txBody>
+      </p:sp>
+      <p:sp>
+        <p:nvSpPr>
+          <p:cNvPr id="32" name="正方形/長方形 31"/>
+          <p:cNvSpPr/>
+          <p:nvPr/>
+        </p:nvSpPr>
+        <p:spPr>
+          <a:xfrm>
+            <a:off x="179512" y="1196752"/>
+            <a:ext cx="2304256" cy="360040"/>
+          </a:xfrm>
+          <a:prstGeom prst="rect">
+            <a:avLst/>
+          </a:prstGeom>
+          <a:ln cmpd="sng">
+            <a:prstDash val="solid"/>
+          </a:ln>
+        </p:spPr>
+        <p:style>
+          <a:lnRef idx="2">
+            <a:schemeClr val="dk1"/>
+          </a:lnRef>
+          <a:fillRef idx="1">
+            <a:schemeClr val="lt1"/>
+          </a:fillRef>
+          <a:effectRef idx="0">
+            <a:schemeClr val="dk1"/>
+          </a:effectRef>
+          <a:fontRef idx="minor">
+            <a:schemeClr val="dk1"/>
+          </a:fontRef>
+        </p:style>
+        <p:txBody>
+          <a:bodyPr rtlCol="0" anchor="ctr"/>
+          <a:lstStyle/>
+          <a:p>
+            <a:pPr algn="ctr"/>
+            <a:r>
+              <a:rPr lang="ja-JP" altLang="en-US" b="1" dirty="0" smtClean="0"/>
+              <a:t>フレームワーク</a:t>
+            </a:r>
+            <a:endParaRPr kumimoji="1" lang="ja-JP" altLang="en-US" b="1" dirty="0"/>
+          </a:p>
+        </p:txBody>
+      </p:sp>
+      <p:sp>
+        <p:nvSpPr>
+          <p:cNvPr id="35" name="角丸四角形吹き出し 34"/>
+          <p:cNvSpPr/>
+          <p:nvPr/>
+        </p:nvSpPr>
+        <p:spPr>
+          <a:xfrm>
+            <a:off x="3059832" y="908720"/>
+            <a:ext cx="3600400" cy="504056"/>
+          </a:xfrm>
+          <a:prstGeom prst="wedgeRoundRectCallout">
+            <a:avLst>
+              <a:gd name="adj1" fmla="val -45515"/>
+              <a:gd name="adj2" fmla="val 105936"/>
+              <a:gd name="adj3" fmla="val 16667"/>
+            </a:avLst>
+          </a:prstGeom>
+        </p:spPr>
+        <p:style>
+          <a:lnRef idx="2">
+            <a:schemeClr val="accent1"/>
+          </a:lnRef>
+          <a:fillRef idx="1">
+            <a:schemeClr val="lt1"/>
+          </a:fillRef>
+          <a:effectRef idx="0">
+            <a:schemeClr val="accent1"/>
+          </a:effectRef>
+          <a:fontRef idx="minor">
+            <a:schemeClr val="dk1"/>
+          </a:fontRef>
+        </p:style>
+        <p:txBody>
+          <a:bodyPr rtlCol="0" anchor="ctr"/>
+          <a:lstStyle/>
+          <a:p>
+            <a:pPr algn="ctr"/>
+            <a:r>
+              <a:rPr kumimoji="1" lang="en-US" altLang="ja-JP" dirty="0" smtClean="0"/>
+              <a:t>Template Method</a:t>
+            </a:r>
+            <a:r>
+              <a:rPr kumimoji="1" lang="ja-JP" altLang="en-US" dirty="0" smtClean="0"/>
+              <a:t>パターン</a:t>
+            </a:r>
+            <a:endParaRPr kumimoji="1" lang="ja-JP" altLang="en-US" dirty="0"/>
+          </a:p>
+        </p:txBody>
+      </p:sp>
+    </p:spTree>
+    <p:extLst>
+      <p:ext uri="{BB962C8B-B14F-4D97-AF65-F5344CB8AC3E}">
+        <p14:creationId xmlns:p14="http://schemas.microsoft.com/office/powerpoint/2010/main" xmlns="" val="2559478569"/>
       </p:ext>
     </p:extLst>
   </p:cSld>
@@ -6562,74 +8806,16 @@
         <a:srgbClr val="44B9E8"/>
       </a:folHlink>
     </a:clrScheme>
-    <a:fontScheme name="ビジネス">
+    <a:fontScheme name="ユーザー定義 1">
       <a:majorFont>
-        <a:latin typeface="Lucida Sans Unicode"/>
-        <a:ea typeface=""/>
+        <a:latin typeface="Arial"/>
+        <a:ea typeface="ＭＳ Ｐゴシック"/>
         <a:cs typeface=""/>
-        <a:font script="Jpan" typeface="ＭＳ Ｐゴシック"/>
-        <a:font script="Hang" typeface="맑은 고딕"/>
-        <a:font script="Hans" typeface="黑体"/>
-        <a:font script="Hant" typeface="微軟正黑體"/>
-        <a:font script="Arab" typeface="Arial"/>
-        <a:font script="Hebr" typeface="Arial"/>
-        <a:font script="Thai" typeface="Cordia New"/>
-        <a:font script="Ethi" typeface="Nyala"/>
-        <a:font script="Beng" typeface="Vrinda"/>
-        <a:font script="Gujr" typeface="Shruti"/>
-        <a:font script="Khmr" typeface="DaunPenh"/>
-        <a:font script="Knda" typeface="Tunga"/>
-        <a:font script="Guru" typeface="Raavi"/>
-        <a:font script="Cans" typeface="Euphemia"/>
-        <a:font script="Cher" typeface="Plantagenet Cherokee"/>
-        <a:font script="Yiii" typeface="Microsoft Yi Baiti"/>
-        <a:font script="Tibt" typeface="Microsoft Himalaya"/>
-        <a:font script="Thaa" typeface="MV Boli"/>
-        <a:font script="Deva" typeface="Mangal"/>
-        <a:font script="Telu" typeface="Gautami"/>
-        <a:font script="Taml" typeface="Latha"/>
-        <a:font script="Syrc" typeface="Estrangelo Edessa"/>
-        <a:font script="Orya" typeface="Kalinga"/>
-        <a:font script="Mlym" typeface="Kartika"/>
-        <a:font script="Laoo" typeface="DokChampa"/>
-        <a:font script="Sinh" typeface="Iskoola Pota"/>
-        <a:font script="Mong" typeface="Mongolian Baiti"/>
-        <a:font script="Uigh" typeface="Microsoft Uighur"/>
-        <a:font script="Geor" typeface="Sylfaen"/>
       </a:majorFont>
       <a:minorFont>
-        <a:latin typeface="Lucida Sans Unicode"/>
-        <a:ea typeface=""/>
+        <a:latin typeface="Arial"/>
+        <a:ea typeface="ＭＳ Ｐゴシック"/>
         <a:cs typeface=""/>
-        <a:font script="Jpan" typeface="ＭＳ Ｐゴシック"/>
-        <a:font script="Hang" typeface="맑은 고딕"/>
-        <a:font script="Hans" typeface="黑体"/>
-        <a:font script="Hant" typeface="微軟正黑體"/>
-        <a:font script="Arab" typeface="Arial"/>
-        <a:font script="Hebr" typeface="Arial"/>
-        <a:font script="Thai" typeface="Cordia New"/>
-        <a:font script="Ethi" typeface="Nyala"/>
-        <a:font script="Beng" typeface="Vrinda"/>
-        <a:font script="Gujr" typeface="Shruti"/>
-        <a:font script="Khmr" typeface="DaunPenh"/>
-        <a:font script="Knda" typeface="Tunga"/>
-        <a:font script="Guru" typeface="Raavi"/>
-        <a:font script="Cans" typeface="Euphemia"/>
-        <a:font script="Cher" typeface="Plantagenet Cherokee"/>
-        <a:font script="Yiii" typeface="Microsoft Yi Baiti"/>
-        <a:font script="Tibt" typeface="Microsoft Himalaya"/>
-        <a:font script="Thaa" typeface="MV Boli"/>
-        <a:font script="Deva" typeface="Mangal"/>
-        <a:font script="Telu" typeface="Gautami"/>
-        <a:font script="Taml" typeface="Latha"/>
-        <a:font script="Syrc" typeface="Estrangelo Edessa"/>
-        <a:font script="Orya" typeface="Kalinga"/>
-        <a:font script="Mlym" typeface="Kartika"/>
-        <a:font script="Laoo" typeface="DokChampa"/>
-        <a:font script="Sinh" typeface="Iskoola Pota"/>
-        <a:font script="Mong" typeface="Mongolian Baiti"/>
-        <a:font script="Uigh" typeface="Microsoft Uighur"/>
-        <a:font script="Geor" typeface="Sylfaen"/>
       </a:minorFont>
     </a:fontScheme>
     <a:fmtScheme name="ビジネス">

--- a/Factory_Method.pptx
+++ b/Factory_Method.pptx
@@ -5,7 +5,7 @@
     <p:sldMasterId id="2147483660" r:id="rId1"/>
   </p:sldMasterIdLst>
   <p:notesMasterIdLst>
-    <p:notesMasterId r:id="rId7"/>
+    <p:notesMasterId r:id="rId9"/>
   </p:notesMasterIdLst>
   <p:sldIdLst>
     <p:sldId id="256" r:id="rId2"/>
@@ -13,6 +13,8 @@
     <p:sldId id="258" r:id="rId4"/>
     <p:sldId id="259" r:id="rId5"/>
     <p:sldId id="260" r:id="rId6"/>
+    <p:sldId id="261" r:id="rId7"/>
+    <p:sldId id="262" r:id="rId8"/>
   </p:sldIdLst>
   <p:sldSz cx="9144000" cy="6858000" type="screen4x3"/>
   <p:notesSz cx="6858000" cy="9144000"/>
@@ -197,7 +199,7 @@
             <a:fld id="{17EDD3D7-6B48-4B08-B560-5A12F4EB54FE}" type="datetimeFigureOut">
               <a:rPr kumimoji="1" lang="ja-JP" altLang="en-US" smtClean="0"/>
               <a:pPr/>
-              <a:t>2015/6/2</a:t>
+              <a:t>2015/6/3</a:t>
             </a:fld>
             <a:endParaRPr kumimoji="1" lang="ja-JP" altLang="en-US"/>
           </a:p>
@@ -398,7 +400,7 @@
     </p:spTree>
     <p:extLst>
       <p:ext uri="{BB962C8B-B14F-4D97-AF65-F5344CB8AC3E}">
-        <p14:creationId xmlns:p14="http://schemas.microsoft.com/office/powerpoint/2010/main" xmlns="" val="2349080228"/>
+        <p14:creationId xmlns="" xmlns:p14="http://schemas.microsoft.com/office/powerpoint/2010/main" val="2349080228"/>
       </p:ext>
     </p:extLst>
   </p:cSld>
@@ -496,6 +498,217 @@
     </a:lvl9pPr>
   </p:notesStyle>
 </p:notesMaster>
+</file>
+
+<file path=ppt/notesSlides/notesSlide1.xml><?xml version="1.0" encoding="utf-8"?>
+<p:notes xmlns:a="http://schemas.openxmlformats.org/drawingml/2006/main" xmlns:r="http://schemas.openxmlformats.org/officeDocument/2006/relationships" xmlns:p="http://schemas.openxmlformats.org/presentationml/2006/main">
+  <p:cSld>
+    <p:spTree>
+      <p:nvGrpSpPr>
+        <p:cNvPr id="1" name=""/>
+        <p:cNvGrpSpPr/>
+        <p:nvPr/>
+      </p:nvGrpSpPr>
+      <p:grpSpPr>
+        <a:xfrm>
+          <a:off x="0" y="0"/>
+          <a:ext cx="0" cy="0"/>
+          <a:chOff x="0" y="0"/>
+          <a:chExt cx="0" cy="0"/>
+        </a:xfrm>
+      </p:grpSpPr>
+      <p:sp>
+        <p:nvSpPr>
+          <p:cNvPr id="2" name="スライド イメージ プレースホルダ 1"/>
+          <p:cNvSpPr>
+            <a:spLocks noGrp="1" noRot="1" noChangeAspect="1"/>
+          </p:cNvSpPr>
+          <p:nvPr>
+            <p:ph type="sldImg"/>
+          </p:nvPr>
+        </p:nvSpPr>
+        <p:spPr/>
+      </p:sp>
+      <p:sp>
+        <p:nvSpPr>
+          <p:cNvPr id="3" name="ノート プレースホルダ 2"/>
+          <p:cNvSpPr>
+            <a:spLocks noGrp="1"/>
+          </p:cNvSpPr>
+          <p:nvPr>
+            <p:ph type="body" idx="1"/>
+          </p:nvPr>
+        </p:nvSpPr>
+        <p:spPr/>
+        <p:txBody>
+          <a:bodyPr>
+            <a:normAutofit/>
+          </a:bodyPr>
+          <a:lstStyle/>
+          <a:p>
+            <a:r>
+              <a:rPr kumimoji="1" lang="en-US" altLang="ja-JP" dirty="0" smtClean="0"/>
+              <a:t>Factory</a:t>
+            </a:r>
+            <a:r>
+              <a:rPr kumimoji="1" lang="ja-JP" altLang="en-US" dirty="0" smtClean="0"/>
+              <a:t>パターンがインスタンスを生成されるクラスとするクラスに分ける方法</a:t>
+            </a:r>
+            <a:endParaRPr kumimoji="1" lang="en-US" altLang="ja-JP" dirty="0" smtClean="0"/>
+          </a:p>
+          <a:p>
+            <a:r>
+              <a:rPr kumimoji="1" lang="en-US" altLang="ja-JP" dirty="0" smtClean="0"/>
+              <a:t>Factory</a:t>
+            </a:r>
+            <a:r>
+              <a:rPr kumimoji="1" lang="ja-JP" altLang="en-US" dirty="0" smtClean="0"/>
+              <a:t>　</a:t>
+            </a:r>
+            <a:r>
+              <a:rPr kumimoji="1" lang="en-US" altLang="ja-JP" dirty="0" smtClean="0"/>
+              <a:t>Method</a:t>
+            </a:r>
+            <a:r>
+              <a:rPr kumimoji="1" lang="ja-JP" altLang="en-US" dirty="0" smtClean="0"/>
+              <a:t>パターンが上記の仕組みを抽象化した「フレームワーク」をサブクラスで具体化する方法</a:t>
+            </a:r>
+            <a:endParaRPr kumimoji="1" lang="ja-JP" altLang="en-US" dirty="0"/>
+          </a:p>
+        </p:txBody>
+      </p:sp>
+      <p:sp>
+        <p:nvSpPr>
+          <p:cNvPr id="4" name="スライド番号プレースホルダ 3"/>
+          <p:cNvSpPr>
+            <a:spLocks noGrp="1"/>
+          </p:cNvSpPr>
+          <p:nvPr>
+            <p:ph type="sldNum" sz="quarter" idx="10"/>
+          </p:nvPr>
+        </p:nvSpPr>
+        <p:spPr/>
+        <p:txBody>
+          <a:bodyPr/>
+          <a:lstStyle/>
+          <a:p>
+            <a:fld id="{F0CC40A1-AD24-4E70-9361-C4A5A1ADF016}" type="slidenum">
+              <a:rPr kumimoji="1" lang="ja-JP" altLang="en-US" smtClean="0"/>
+              <a:pPr/>
+              <a:t>6</a:t>
+            </a:fld>
+            <a:endParaRPr kumimoji="1" lang="ja-JP" altLang="en-US"/>
+          </a:p>
+        </p:txBody>
+      </p:sp>
+    </p:spTree>
+  </p:cSld>
+  <p:clrMapOvr>
+    <a:masterClrMapping/>
+  </p:clrMapOvr>
+</p:notes>
+</file>
+
+<file path=ppt/notesSlides/notesSlide2.xml><?xml version="1.0" encoding="utf-8"?>
+<p:notes xmlns:a="http://schemas.openxmlformats.org/drawingml/2006/main" xmlns:r="http://schemas.openxmlformats.org/officeDocument/2006/relationships" xmlns:p="http://schemas.openxmlformats.org/presentationml/2006/main">
+  <p:cSld>
+    <p:spTree>
+      <p:nvGrpSpPr>
+        <p:cNvPr id="1" name=""/>
+        <p:cNvGrpSpPr/>
+        <p:nvPr/>
+      </p:nvGrpSpPr>
+      <p:grpSpPr>
+        <a:xfrm>
+          <a:off x="0" y="0"/>
+          <a:ext cx="0" cy="0"/>
+          <a:chOff x="0" y="0"/>
+          <a:chExt cx="0" cy="0"/>
+        </a:xfrm>
+      </p:grpSpPr>
+      <p:sp>
+        <p:nvSpPr>
+          <p:cNvPr id="2" name="スライド イメージ プレースホルダ 1"/>
+          <p:cNvSpPr>
+            <a:spLocks noGrp="1" noRot="1" noChangeAspect="1"/>
+          </p:cNvSpPr>
+          <p:nvPr>
+            <p:ph type="sldImg"/>
+          </p:nvPr>
+        </p:nvSpPr>
+        <p:spPr/>
+      </p:sp>
+      <p:sp>
+        <p:nvSpPr>
+          <p:cNvPr id="3" name="ノート プレースホルダ 2"/>
+          <p:cNvSpPr>
+            <a:spLocks noGrp="1"/>
+          </p:cNvSpPr>
+          <p:nvPr>
+            <p:ph type="body" idx="1"/>
+          </p:nvPr>
+        </p:nvSpPr>
+        <p:spPr/>
+        <p:txBody>
+          <a:bodyPr>
+            <a:normAutofit/>
+          </a:bodyPr>
+          <a:lstStyle/>
+          <a:p>
+            <a:r>
+              <a:rPr kumimoji="1" lang="ja-JP" altLang="en-US" dirty="0" smtClean="0"/>
+              <a:t>今回の例だと</a:t>
+            </a:r>
+            <a:r>
+              <a:rPr kumimoji="1" lang="en-US" altLang="ja-JP" dirty="0" smtClean="0"/>
+              <a:t>main</a:t>
+            </a:r>
+            <a:r>
+              <a:rPr kumimoji="1" lang="ja-JP" altLang="en-US" dirty="0" smtClean="0"/>
+              <a:t>文の中に</a:t>
+            </a:r>
+            <a:r>
+              <a:rPr kumimoji="1" lang="en-US" altLang="ja-JP" dirty="0" smtClean="0"/>
+              <a:t>Factory</a:t>
+            </a:r>
+            <a:r>
+              <a:rPr kumimoji="1" lang="ja-JP" altLang="en-US" dirty="0" smtClean="0"/>
+              <a:t>側のオブジェクトについての名前は一回も出てこない</a:t>
+            </a:r>
+            <a:endParaRPr kumimoji="1" lang="ja-JP" altLang="en-US" dirty="0"/>
+          </a:p>
+        </p:txBody>
+      </p:sp>
+      <p:sp>
+        <p:nvSpPr>
+          <p:cNvPr id="4" name="スライド番号プレースホルダ 3"/>
+          <p:cNvSpPr>
+            <a:spLocks noGrp="1"/>
+          </p:cNvSpPr>
+          <p:nvPr>
+            <p:ph type="sldNum" sz="quarter" idx="10"/>
+          </p:nvPr>
+        </p:nvSpPr>
+        <p:spPr/>
+        <p:txBody>
+          <a:bodyPr/>
+          <a:lstStyle/>
+          <a:p>
+            <a:fld id="{F0CC40A1-AD24-4E70-9361-C4A5A1ADF016}" type="slidenum">
+              <a:rPr kumimoji="1" lang="ja-JP" altLang="en-US" smtClean="0"/>
+              <a:pPr/>
+              <a:t>7</a:t>
+            </a:fld>
+            <a:endParaRPr kumimoji="1" lang="ja-JP" altLang="en-US"/>
+          </a:p>
+        </p:txBody>
+      </p:sp>
+    </p:spTree>
+  </p:cSld>
+  <p:clrMapOvr>
+    <a:masterClrMapping/>
+  </p:clrMapOvr>
+</p:notes>
 </file>
 
 <file path=ppt/slideLayouts/slideLayout1.xml><?xml version="1.0" encoding="utf-8"?>
@@ -1124,7 +1337,7 @@
             <a:fld id="{9E511603-D391-4776-9542-0AB51EFAB3D7}" type="datetime1">
               <a:rPr kumimoji="1" lang="ja-JP" altLang="en-US" smtClean="0"/>
               <a:pPr/>
-              <a:t>2015/6/2</a:t>
+              <a:t>2015/6/3</a:t>
             </a:fld>
             <a:endParaRPr kumimoji="1" lang="ja-JP" altLang="en-US"/>
           </a:p>
@@ -1354,7 +1567,7 @@
             <a:fld id="{5505D796-E706-4557-9D46-D0BD6D890626}" type="datetime1">
               <a:rPr kumimoji="1" lang="ja-JP" altLang="en-US" smtClean="0"/>
               <a:pPr/>
-              <a:t>2015/6/2</a:t>
+              <a:t>2015/6/3</a:t>
             </a:fld>
             <a:endParaRPr kumimoji="1" lang="ja-JP" altLang="en-US"/>
           </a:p>
@@ -1573,7 +1786,7 @@
             <a:fld id="{DAE2ADBC-8AB2-42BE-B127-D3B5A289B3E4}" type="datetime1">
               <a:rPr kumimoji="1" lang="ja-JP" altLang="en-US" smtClean="0"/>
               <a:pPr/>
-              <a:t>2015/6/2</a:t>
+              <a:t>2015/6/3</a:t>
             </a:fld>
             <a:endParaRPr kumimoji="1" lang="ja-JP" altLang="en-US"/>
           </a:p>
@@ -1757,7 +1970,7 @@
             <a:fld id="{10BF216A-89D2-4F7F-B6C0-1D27505A2321}" type="datetime1">
               <a:rPr kumimoji="1" lang="ja-JP" altLang="en-US" smtClean="0"/>
               <a:pPr/>
-              <a:t>2015/6/2</a:t>
+              <a:t>2015/6/3</a:t>
             </a:fld>
             <a:endParaRPr kumimoji="1" lang="ja-JP" altLang="en-US"/>
           </a:p>
@@ -2017,7 +2230,7 @@
             <a:fld id="{8184EBF3-05EA-4D46-9438-C466AE156852}" type="datetime1">
               <a:rPr kumimoji="1" lang="ja-JP" altLang="en-US" smtClean="0"/>
               <a:pPr/>
-              <a:t>2015/6/2</a:t>
+              <a:t>2015/6/3</a:t>
             </a:fld>
             <a:endParaRPr kumimoji="1" lang="ja-JP" altLang="en-US"/>
           </a:p>
@@ -2492,7 +2705,7 @@
             <a:fld id="{B42337FE-9C88-4D91-9F20-B6C586AAA9C6}" type="datetime1">
               <a:rPr kumimoji="1" lang="ja-JP" altLang="en-US" smtClean="0"/>
               <a:pPr/>
-              <a:t>2015/6/2</a:t>
+              <a:t>2015/6/3</a:t>
             </a:fld>
             <a:endParaRPr kumimoji="1" lang="ja-JP" altLang="en-US"/>
           </a:p>
@@ -3004,7 +3217,7 @@
             <a:fld id="{1FFB1E58-39FE-4290-B4F5-78E902B373F0}" type="datetime1">
               <a:rPr kumimoji="1" lang="ja-JP" altLang="en-US" smtClean="0"/>
               <a:pPr/>
-              <a:t>2015/6/2</a:t>
+              <a:t>2015/6/3</a:t>
             </a:fld>
             <a:endParaRPr kumimoji="1" lang="ja-JP" altLang="en-US"/>
           </a:p>
@@ -3107,7 +3320,7 @@
             <a:fld id="{D612B6E6-C045-4DC6-95A2-B83843C62F6C}" type="datetime1">
               <a:rPr kumimoji="1" lang="ja-JP" altLang="en-US" smtClean="0"/>
               <a:pPr/>
-              <a:t>2015/6/2</a:t>
+              <a:t>2015/6/3</a:t>
             </a:fld>
             <a:endParaRPr kumimoji="1" lang="ja-JP" altLang="en-US"/>
           </a:p>
@@ -3230,7 +3443,7 @@
             <a:fld id="{9BDADA9F-4A80-4BF8-954D-CC504C755335}" type="datetime1">
               <a:rPr kumimoji="1" lang="ja-JP" altLang="en-US" smtClean="0"/>
               <a:pPr/>
-              <a:t>2015/6/2</a:t>
+              <a:t>2015/6/3</a:t>
             </a:fld>
             <a:endParaRPr kumimoji="1" lang="ja-JP" altLang="en-US"/>
           </a:p>
@@ -3538,7 +3751,7 @@
             <a:fld id="{BB9F5BEC-9AA1-4808-8749-6B5AAD66F03A}" type="datetime1">
               <a:rPr kumimoji="1" lang="ja-JP" altLang="en-US" smtClean="0"/>
               <a:pPr/>
-              <a:t>2015/6/2</a:t>
+              <a:t>2015/6/3</a:t>
             </a:fld>
             <a:endParaRPr kumimoji="1" lang="ja-JP" altLang="en-US"/>
           </a:p>
@@ -3745,7 +3958,7 @@
             <a:fld id="{B6C8C3B8-8349-4530-BDCB-E8EB82345703}" type="datetime1">
               <a:rPr kumimoji="1" lang="ja-JP" altLang="en-US" smtClean="0"/>
               <a:pPr/>
-              <a:t>2015/6/2</a:t>
+              <a:t>2015/6/3</a:t>
             </a:fld>
             <a:endParaRPr kumimoji="1" lang="ja-JP" altLang="en-US"/>
           </a:p>
@@ -4888,7 +5101,7 @@
             <a:fld id="{421B8954-2EAF-495C-A905-4E6FCFDF313A}" type="datetime1">
               <a:rPr kumimoji="1" lang="ja-JP" altLang="en-US" smtClean="0"/>
               <a:pPr/>
-              <a:t>2015/6/2</a:t>
+              <a:t>2015/6/3</a:t>
             </a:fld>
             <a:endParaRPr kumimoji="1" lang="ja-JP" altLang="en-US"/>
           </a:p>
@@ -5366,7 +5579,7 @@
     </p:spTree>
     <p:extLst>
       <p:ext uri="{BB962C8B-B14F-4D97-AF65-F5344CB8AC3E}">
-        <p14:creationId xmlns:p14="http://schemas.microsoft.com/office/powerpoint/2010/main" xmlns="" val="4092701601"/>
+        <p14:creationId xmlns="" xmlns:p14="http://schemas.microsoft.com/office/powerpoint/2010/main" val="4092701601"/>
       </p:ext>
     </p:extLst>
   </p:cSld>
@@ -5462,7 +5675,7 @@
     </p:spTree>
     <p:extLst>
       <p:ext uri="{BB962C8B-B14F-4D97-AF65-F5344CB8AC3E}">
-        <p14:creationId xmlns:p14="http://schemas.microsoft.com/office/powerpoint/2010/main" xmlns="" val="3202567793"/>
+        <p14:creationId xmlns="" xmlns:p14="http://schemas.microsoft.com/office/powerpoint/2010/main" val="3202567793"/>
       </p:ext>
     </p:extLst>
   </p:cSld>
@@ -5552,7 +5765,7 @@
           <a:blip r:embed="rId2" cstate="print">
             <a:extLst>
               <a:ext uri="{28A0092B-C50C-407E-A947-70E740481C1C}">
-                <a14:useLocalDpi xmlns:a14="http://schemas.microsoft.com/office/drawing/2010/main" xmlns="" val="0"/>
+                <a14:useLocalDpi xmlns="" xmlns:a14="http://schemas.microsoft.com/office/drawing/2010/main" val="0"/>
               </a:ext>
             </a:extLst>
           </a:blip>
@@ -5572,7 +5785,7 @@
           <a:noFill/>
           <a:extLst>
             <a:ext uri="{909E8E84-426E-40DD-AFC4-6F175D3DCCD1}">
-              <a14:hiddenFill xmlns:a14="http://schemas.microsoft.com/office/drawing/2010/main" xmlns="">
+              <a14:hiddenFill xmlns="" xmlns:a14="http://schemas.microsoft.com/office/drawing/2010/main">
                 <a:solidFill>
                   <a:srgbClr val="FFFFFF"/>
                 </a:solidFill>
@@ -6471,7 +6684,7 @@
     </p:spTree>
     <p:extLst>
       <p:ext uri="{BB962C8B-B14F-4D97-AF65-F5344CB8AC3E}">
-        <p14:creationId xmlns:p14="http://schemas.microsoft.com/office/powerpoint/2010/main" xmlns="" val="238751462"/>
+        <p14:creationId xmlns="" xmlns:p14="http://schemas.microsoft.com/office/powerpoint/2010/main" val="238751462"/>
       </p:ext>
     </p:extLst>
   </p:cSld>
@@ -7563,7 +7776,7 @@
     </p:spTree>
     <p:extLst>
       <p:ext uri="{BB962C8B-B14F-4D97-AF65-F5344CB8AC3E}">
-        <p14:creationId xmlns:p14="http://schemas.microsoft.com/office/powerpoint/2010/main" xmlns="" val="2559478569"/>
+        <p14:creationId xmlns="" xmlns:p14="http://schemas.microsoft.com/office/powerpoint/2010/main" val="2559478569"/>
       </p:ext>
     </p:extLst>
   </p:cSld>
@@ -7928,20 +8141,9 @@
           <a:p>
             <a:r>
               <a:rPr kumimoji="1" lang="en-US" altLang="ja-JP" dirty="0" smtClean="0"/>
-              <a:t>create (</a:t>
-            </a:r>
-            <a:r>
-              <a:rPr kumimoji="1" lang="en-US" altLang="ja-JP" dirty="0" smtClean="0">
-                <a:solidFill>
-                  <a:srgbClr val="FF0000"/>
-                </a:solidFill>
-              </a:rPr>
-              <a:t>Template Method</a:t>
-            </a:r>
-            <a:r>
-              <a:rPr kumimoji="1" lang="en-US" altLang="ja-JP" dirty="0" smtClean="0"/>
-              <a:t>)</a:t>
-            </a:r>
+              <a:t>create</a:t>
+            </a:r>
+            <a:endParaRPr kumimoji="1" lang="en-US" altLang="ja-JP" dirty="0" smtClean="0"/>
           </a:p>
           <a:p>
             <a:r>
@@ -8755,9 +8957,416 @@
     </p:spTree>
     <p:extLst>
       <p:ext uri="{BB962C8B-B14F-4D97-AF65-F5344CB8AC3E}">
-        <p14:creationId xmlns:p14="http://schemas.microsoft.com/office/powerpoint/2010/main" xmlns="" val="2559478569"/>
+        <p14:creationId xmlns="" xmlns:p14="http://schemas.microsoft.com/office/powerpoint/2010/main" val="2559478569"/>
       </p:ext>
     </p:extLst>
+  </p:cSld>
+  <p:clrMapOvr>
+    <a:masterClrMapping/>
+  </p:clrMapOvr>
+</p:sld>
+</file>
+
+<file path=ppt/slides/slide6.xml><?xml version="1.0" encoding="utf-8"?>
+<p:sld xmlns:a="http://schemas.openxmlformats.org/drawingml/2006/main" xmlns:r="http://schemas.openxmlformats.org/officeDocument/2006/relationships" xmlns:p="http://schemas.openxmlformats.org/presentationml/2006/main">
+  <p:cSld>
+    <p:spTree>
+      <p:nvGrpSpPr>
+        <p:cNvPr id="1" name=""/>
+        <p:cNvGrpSpPr/>
+        <p:nvPr/>
+      </p:nvGrpSpPr>
+      <p:grpSpPr>
+        <a:xfrm>
+          <a:off x="0" y="0"/>
+          <a:ext cx="0" cy="0"/>
+          <a:chOff x="0" y="0"/>
+          <a:chExt cx="0" cy="0"/>
+        </a:xfrm>
+      </p:grpSpPr>
+      <p:sp>
+        <p:nvSpPr>
+          <p:cNvPr id="3" name="スライド番号プレースホルダ 2"/>
+          <p:cNvSpPr>
+            <a:spLocks noGrp="1"/>
+          </p:cNvSpPr>
+          <p:nvPr>
+            <p:ph type="sldNum" sz="quarter" idx="12"/>
+          </p:nvPr>
+        </p:nvSpPr>
+        <p:spPr/>
+        <p:txBody>
+          <a:bodyPr/>
+          <a:lstStyle/>
+          <a:p>
+            <a:fld id="{D2D8002D-B5B0-4BAC-B1F6-782DDCCE6D9C}" type="slidenum">
+              <a:rPr kumimoji="1" lang="ja-JP" altLang="en-US" smtClean="0"/>
+              <a:pPr/>
+              <a:t>6</a:t>
+            </a:fld>
+            <a:endParaRPr kumimoji="1" lang="ja-JP" altLang="en-US" dirty="0"/>
+          </a:p>
+        </p:txBody>
+      </p:sp>
+      <p:sp>
+        <p:nvSpPr>
+          <p:cNvPr id="4" name="タイトル 3"/>
+          <p:cNvSpPr>
+            <a:spLocks noGrp="1"/>
+          </p:cNvSpPr>
+          <p:nvPr>
+            <p:ph type="title"/>
+          </p:nvPr>
+        </p:nvSpPr>
+        <p:spPr/>
+        <p:txBody>
+          <a:bodyPr/>
+          <a:lstStyle/>
+          <a:p>
+            <a:r>
+              <a:rPr kumimoji="1" lang="en-US" altLang="ja-JP" dirty="0" smtClean="0"/>
+              <a:t>3.</a:t>
+            </a:r>
+            <a:r>
+              <a:rPr kumimoji="1" lang="ja-JP" altLang="en-US" dirty="0" smtClean="0"/>
+              <a:t>概要</a:t>
+            </a:r>
+            <a:endParaRPr kumimoji="1" lang="ja-JP" altLang="en-US" dirty="0"/>
+          </a:p>
+        </p:txBody>
+      </p:sp>
+      <p:sp>
+        <p:nvSpPr>
+          <p:cNvPr id="5" name="正方形/長方形 4"/>
+          <p:cNvSpPr/>
+          <p:nvPr/>
+        </p:nvSpPr>
+        <p:spPr>
+          <a:xfrm>
+            <a:off x="179512" y="1268760"/>
+            <a:ext cx="8676456" cy="1512168"/>
+          </a:xfrm>
+          <a:prstGeom prst="rect">
+            <a:avLst/>
+          </a:prstGeom>
+        </p:spPr>
+        <p:style>
+          <a:lnRef idx="2">
+            <a:schemeClr val="dk1"/>
+          </a:lnRef>
+          <a:fillRef idx="1">
+            <a:schemeClr val="lt1"/>
+          </a:fillRef>
+          <a:effectRef idx="0">
+            <a:schemeClr val="dk1"/>
+          </a:effectRef>
+          <a:fontRef idx="minor">
+            <a:schemeClr val="dk1"/>
+          </a:fontRef>
+        </p:style>
+        <p:txBody>
+          <a:bodyPr rtlCol="0" anchor="ctr"/>
+          <a:lstStyle/>
+          <a:p>
+            <a:r>
+              <a:rPr lang="ja-JP" altLang="en-US" sz="2000" dirty="0" smtClean="0"/>
+              <a:t>生成されるインスタンスが持つべきインターフェースが定められたクラス</a:t>
+            </a:r>
+            <a:r>
+              <a:rPr lang="en-US" altLang="ja-JP" sz="2000" dirty="0" smtClean="0"/>
+              <a:t>(</a:t>
+            </a:r>
+            <a:r>
+              <a:rPr lang="en-US" altLang="ja-JP" sz="2000" dirty="0" smtClean="0"/>
+              <a:t>Product)</a:t>
+            </a:r>
+          </a:p>
+          <a:p>
+            <a:endParaRPr lang="en-US" altLang="ja-JP" sz="2000" dirty="0" smtClean="0"/>
+          </a:p>
+          <a:p>
+            <a:r>
+              <a:rPr lang="en-US" altLang="ja-JP" sz="2000" dirty="0" smtClean="0"/>
+              <a:t>Product</a:t>
+            </a:r>
+            <a:r>
+              <a:rPr lang="ja-JP" altLang="en-US" sz="2000" dirty="0" smtClean="0"/>
+              <a:t>のインスタンス生成を行うクラス</a:t>
+            </a:r>
+            <a:r>
+              <a:rPr lang="en-US" altLang="ja-JP" sz="2000" dirty="0" smtClean="0"/>
+              <a:t>(Creator)</a:t>
+            </a:r>
+            <a:endParaRPr lang="ja-JP" altLang="en-US" sz="2000" dirty="0"/>
+          </a:p>
+        </p:txBody>
+      </p:sp>
+      <p:sp>
+        <p:nvSpPr>
+          <p:cNvPr id="6" name="正方形/長方形 5"/>
+          <p:cNvSpPr/>
+          <p:nvPr/>
+        </p:nvSpPr>
+        <p:spPr>
+          <a:xfrm>
+            <a:off x="179512" y="908720"/>
+            <a:ext cx="2411760" cy="360040"/>
+          </a:xfrm>
+          <a:prstGeom prst="rect">
+            <a:avLst/>
+          </a:prstGeom>
+        </p:spPr>
+        <p:style>
+          <a:lnRef idx="2">
+            <a:schemeClr val="dk1"/>
+          </a:lnRef>
+          <a:fillRef idx="1">
+            <a:schemeClr val="lt1"/>
+          </a:fillRef>
+          <a:effectRef idx="0">
+            <a:schemeClr val="dk1"/>
+          </a:effectRef>
+          <a:fontRef idx="minor">
+            <a:schemeClr val="dk1"/>
+          </a:fontRef>
+        </p:style>
+        <p:txBody>
+          <a:bodyPr rtlCol="0" anchor="ctr"/>
+          <a:lstStyle/>
+          <a:p>
+            <a:pPr algn="ctr"/>
+            <a:r>
+              <a:rPr kumimoji="1" lang="ja-JP" altLang="en-US" dirty="0" smtClean="0"/>
+              <a:t>フレームワーク</a:t>
+            </a:r>
+            <a:endParaRPr kumimoji="1" lang="ja-JP" altLang="en-US" dirty="0"/>
+          </a:p>
+        </p:txBody>
+      </p:sp>
+      <p:sp>
+        <p:nvSpPr>
+          <p:cNvPr id="7" name="正方形/長方形 6"/>
+          <p:cNvSpPr/>
+          <p:nvPr/>
+        </p:nvSpPr>
+        <p:spPr>
+          <a:xfrm>
+            <a:off x="179512" y="4149080"/>
+            <a:ext cx="8676456" cy="1512168"/>
+          </a:xfrm>
+          <a:prstGeom prst="rect">
+            <a:avLst/>
+          </a:prstGeom>
+        </p:spPr>
+        <p:style>
+          <a:lnRef idx="2">
+            <a:schemeClr val="dk1"/>
+          </a:lnRef>
+          <a:fillRef idx="1">
+            <a:schemeClr val="lt1"/>
+          </a:fillRef>
+          <a:effectRef idx="0">
+            <a:schemeClr val="dk1"/>
+          </a:effectRef>
+          <a:fontRef idx="minor">
+            <a:schemeClr val="dk1"/>
+          </a:fontRef>
+        </p:style>
+        <p:txBody>
+          <a:bodyPr rtlCol="0" anchor="ctr"/>
+          <a:lstStyle/>
+          <a:p>
+            <a:r>
+              <a:rPr lang="ja-JP" altLang="en-US" sz="2000" dirty="0" smtClean="0"/>
+              <a:t>具体的な生成</a:t>
+            </a:r>
+            <a:r>
+              <a:rPr lang="ja-JP" altLang="en-US" sz="2000" dirty="0" smtClean="0"/>
+              <a:t>される</a:t>
+            </a:r>
+            <a:r>
+              <a:rPr lang="ja-JP" altLang="en-US" sz="2000" dirty="0" smtClean="0"/>
+              <a:t>インスタンスが</a:t>
+            </a:r>
+            <a:r>
+              <a:rPr lang="ja-JP" altLang="en-US" sz="2000" dirty="0" smtClean="0"/>
+              <a:t>定められたクラス</a:t>
+            </a:r>
+            <a:r>
+              <a:rPr lang="en-US" altLang="ja-JP" sz="2000" dirty="0" smtClean="0"/>
+              <a:t>(Concrete Product)</a:t>
+            </a:r>
+          </a:p>
+          <a:p>
+            <a:endParaRPr lang="en-US" altLang="ja-JP" sz="2000" dirty="0" smtClean="0"/>
+          </a:p>
+          <a:p>
+            <a:r>
+              <a:rPr lang="en-US" altLang="ja-JP" sz="2000" dirty="0" smtClean="0"/>
+              <a:t>Concrete Product</a:t>
+            </a:r>
+            <a:r>
+              <a:rPr lang="ja-JP" altLang="en-US" sz="2000" dirty="0" smtClean="0"/>
+              <a:t>のインスタンス生成を行うクラス</a:t>
+            </a:r>
+            <a:r>
+              <a:rPr lang="en-US" altLang="ja-JP" sz="2000" dirty="0" smtClean="0"/>
+              <a:t>(Concrete Creator</a:t>
+            </a:r>
+            <a:r>
+              <a:rPr lang="en-US" altLang="ja-JP" sz="2000" dirty="0" smtClean="0"/>
+              <a:t>)</a:t>
+            </a:r>
+            <a:endParaRPr lang="ja-JP" altLang="en-US" sz="2000" dirty="0"/>
+          </a:p>
+        </p:txBody>
+      </p:sp>
+      <p:sp>
+        <p:nvSpPr>
+          <p:cNvPr id="8" name="正方形/長方形 7"/>
+          <p:cNvSpPr/>
+          <p:nvPr/>
+        </p:nvSpPr>
+        <p:spPr>
+          <a:xfrm>
+            <a:off x="179512" y="3789040"/>
+            <a:ext cx="2411760" cy="360040"/>
+          </a:xfrm>
+          <a:prstGeom prst="rect">
+            <a:avLst/>
+          </a:prstGeom>
+        </p:spPr>
+        <p:style>
+          <a:lnRef idx="2">
+            <a:schemeClr val="dk1"/>
+          </a:lnRef>
+          <a:fillRef idx="1">
+            <a:schemeClr val="lt1"/>
+          </a:fillRef>
+          <a:effectRef idx="0">
+            <a:schemeClr val="dk1"/>
+          </a:effectRef>
+          <a:fontRef idx="minor">
+            <a:schemeClr val="dk1"/>
+          </a:fontRef>
+        </p:style>
+        <p:txBody>
+          <a:bodyPr rtlCol="0" anchor="ctr"/>
+          <a:lstStyle/>
+          <a:p>
+            <a:pPr algn="ctr"/>
+            <a:r>
+              <a:rPr kumimoji="1" lang="ja-JP" altLang="en-US" dirty="0" smtClean="0"/>
+              <a:t>具体的な肉付け</a:t>
+            </a:r>
+            <a:endParaRPr kumimoji="1" lang="ja-JP" altLang="en-US" dirty="0"/>
+          </a:p>
+        </p:txBody>
+      </p:sp>
+    </p:spTree>
+  </p:cSld>
+  <p:clrMapOvr>
+    <a:masterClrMapping/>
+  </p:clrMapOvr>
+</p:sld>
+</file>
+
+<file path=ppt/slides/slide7.xml><?xml version="1.0" encoding="utf-8"?>
+<p:sld xmlns:a="http://schemas.openxmlformats.org/drawingml/2006/main" xmlns:r="http://schemas.openxmlformats.org/officeDocument/2006/relationships" xmlns:p="http://schemas.openxmlformats.org/presentationml/2006/main">
+  <p:cSld>
+    <p:spTree>
+      <p:nvGrpSpPr>
+        <p:cNvPr id="1" name=""/>
+        <p:cNvGrpSpPr/>
+        <p:nvPr/>
+      </p:nvGrpSpPr>
+      <p:grpSpPr>
+        <a:xfrm>
+          <a:off x="0" y="0"/>
+          <a:ext cx="0" cy="0"/>
+          <a:chOff x="0" y="0"/>
+          <a:chExt cx="0" cy="0"/>
+        </a:xfrm>
+      </p:grpSpPr>
+      <p:sp>
+        <p:nvSpPr>
+          <p:cNvPr id="2" name="コンテンツ プレースホルダ 1"/>
+          <p:cNvSpPr>
+            <a:spLocks noGrp="1"/>
+          </p:cNvSpPr>
+          <p:nvPr>
+            <p:ph idx="1"/>
+          </p:nvPr>
+        </p:nvSpPr>
+        <p:spPr/>
+        <p:txBody>
+          <a:bodyPr/>
+          <a:lstStyle/>
+          <a:p>
+            <a:r>
+              <a:rPr kumimoji="1" lang="ja-JP" altLang="en-US" dirty="0" smtClean="0"/>
+              <a:t>インスタンスを生成するという</a:t>
+            </a:r>
+            <a:r>
+              <a:rPr kumimoji="1" lang="ja-JP" altLang="en-US" smtClean="0"/>
+              <a:t>処理をフレームワークとして用意しておくことで，生成する具体的なインスタンスの種類が変わっても柔軟に対応できる</a:t>
+            </a:r>
+            <a:endParaRPr kumimoji="1" lang="ja-JP" altLang="en-US" dirty="0"/>
+          </a:p>
+        </p:txBody>
+      </p:sp>
+      <p:sp>
+        <p:nvSpPr>
+          <p:cNvPr id="3" name="スライド番号プレースホルダ 2"/>
+          <p:cNvSpPr>
+            <a:spLocks noGrp="1"/>
+          </p:cNvSpPr>
+          <p:nvPr>
+            <p:ph type="sldNum" sz="quarter" idx="12"/>
+          </p:nvPr>
+        </p:nvSpPr>
+        <p:spPr/>
+        <p:txBody>
+          <a:bodyPr/>
+          <a:lstStyle/>
+          <a:p>
+            <a:fld id="{D2D8002D-B5B0-4BAC-B1F6-782DDCCE6D9C}" type="slidenum">
+              <a:rPr kumimoji="1" lang="ja-JP" altLang="en-US" smtClean="0"/>
+              <a:pPr/>
+              <a:t>7</a:t>
+            </a:fld>
+            <a:endParaRPr kumimoji="1" lang="ja-JP" altLang="en-US" dirty="0"/>
+          </a:p>
+        </p:txBody>
+      </p:sp>
+      <p:sp>
+        <p:nvSpPr>
+          <p:cNvPr id="4" name="タイトル 3"/>
+          <p:cNvSpPr>
+            <a:spLocks noGrp="1"/>
+          </p:cNvSpPr>
+          <p:nvPr>
+            <p:ph type="title"/>
+          </p:nvPr>
+        </p:nvSpPr>
+        <p:spPr/>
+        <p:txBody>
+          <a:bodyPr/>
+          <a:lstStyle/>
+          <a:p>
+            <a:r>
+              <a:rPr lang="en-US" altLang="ja-JP" dirty="0" smtClean="0"/>
+              <a:t>4.Factory Method</a:t>
+            </a:r>
+            <a:r>
+              <a:rPr lang="ja-JP" altLang="en-US" dirty="0" smtClean="0"/>
+              <a:t>のメリット</a:t>
+            </a:r>
+            <a:endParaRPr kumimoji="1" lang="ja-JP" altLang="en-US" dirty="0"/>
+          </a:p>
+        </p:txBody>
+      </p:sp>
+    </p:spTree>
   </p:cSld>
   <p:clrMapOvr>
     <a:masterClrMapping/>
